--- a/LLMs.pptx
+++ b/LLMs.pptx
@@ -5473,8 +5473,8 @@
         </p:nvSpPr>
         <p:spPr>
           <a:xfrm>
-            <a:off x="3782000" y="170400"/>
-            <a:ext cx="1697100" cy="1953600"/>
+            <a:off x="3895950" y="208800"/>
+            <a:ext cx="1697100" cy="1982700"/>
           </a:xfrm>
           <a:prstGeom prst="rect">
             <a:avLst/>
@@ -5523,8 +5523,8 @@
         </p:nvSpPr>
         <p:spPr>
           <a:xfrm>
-            <a:off x="209775" y="132600"/>
-            <a:ext cx="1863600" cy="1953600"/>
+            <a:off x="414725" y="208800"/>
+            <a:ext cx="1889700" cy="1982700"/>
           </a:xfrm>
           <a:prstGeom prst="rect">
             <a:avLst/>
@@ -5573,7 +5573,7 @@
         </p:nvGrpSpPr>
         <p:grpSpPr>
           <a:xfrm>
-            <a:off x="261650" y="252149"/>
+            <a:off x="492750" y="328349"/>
             <a:ext cx="1789100" cy="381001"/>
             <a:chOff x="1892050" y="1516024"/>
             <a:chExt cx="1789100" cy="381001"/>
@@ -5666,95 +5666,70 @@
           </p:txBody>
         </p:sp>
       </p:grpSp>
-      <p:grpSp>
-        <p:nvGrpSpPr>
+      <p:pic>
+        <p:nvPicPr>
           <p:cNvPr id="59" name="Google Shape;59;p13"/>
-          <p:cNvGrpSpPr/>
+          <p:cNvPicPr preferRelativeResize="0"/>
           <p:nvPr/>
-        </p:nvGrpSpPr>
-        <p:grpSpPr>
-          <a:xfrm>
-            <a:off x="350200" y="1731575"/>
-            <a:ext cx="1032850" cy="274125"/>
-            <a:chOff x="2832100" y="2150000"/>
-            <a:chExt cx="1032850" cy="274125"/>
-          </a:xfrm>
-        </p:grpSpPr>
-        <p:pic>
-          <p:nvPicPr>
-            <p:cNvPr id="60" name="Google Shape;60;p13"/>
-            <p:cNvPicPr preferRelativeResize="0"/>
-            <p:nvPr/>
-          </p:nvPicPr>
-          <p:blipFill>
-            <a:blip r:embed="rId4">
-              <a:alphaModFix/>
-            </a:blip>
-            <a:stretch>
-              <a:fillRect/>
-            </a:stretch>
-          </p:blipFill>
-          <p:spPr>
-            <a:xfrm>
-              <a:off x="2832100" y="2150000"/>
-              <a:ext cx="274125" cy="274125"/>
-            </a:xfrm>
-            <a:prstGeom prst="rect">
-              <a:avLst/>
-            </a:prstGeom>
+        </p:nvPicPr>
+        <p:blipFill>
+          <a:blip r:embed="rId4">
+            <a:alphaModFix/>
+          </a:blip>
+          <a:stretch>
+            <a:fillRect/>
+          </a:stretch>
+        </p:blipFill>
+        <p:spPr>
+          <a:xfrm>
+            <a:off x="479200" y="1807775"/>
+            <a:ext cx="274125" cy="274125"/>
+          </a:xfrm>
+          <a:prstGeom prst="rect">
+            <a:avLst/>
+          </a:prstGeom>
+          <a:noFill/>
+          <a:ln>
             <a:noFill/>
-            <a:ln>
-              <a:noFill/>
-            </a:ln>
-          </p:spPr>
-        </p:pic>
-        <p:sp>
-          <p:nvSpPr>
-            <p:cNvPr id="61" name="Google Shape;61;p13"/>
-            <p:cNvSpPr/>
-            <p:nvPr/>
-          </p:nvSpPr>
-          <p:spPr>
-            <a:xfrm>
-              <a:off x="3022250" y="2163625"/>
-              <a:ext cx="842700" cy="246900"/>
-            </a:xfrm>
-            <a:prstGeom prst="rect">
-              <a:avLst/>
-            </a:prstGeom>
+          </a:ln>
+        </p:spPr>
+      </p:pic>
+      <p:sp>
+        <p:nvSpPr>
+          <p:cNvPr id="60" name="Google Shape;60;p13"/>
+          <p:cNvSpPr/>
+          <p:nvPr/>
+        </p:nvSpPr>
+        <p:spPr>
+          <a:xfrm>
+            <a:off x="781475" y="1821388"/>
+            <a:ext cx="842700" cy="246900"/>
+          </a:xfrm>
+          <a:prstGeom prst="rect">
+            <a:avLst/>
+          </a:prstGeom>
+          <a:noFill/>
+          <a:ln>
             <a:noFill/>
-            <a:ln>
-              <a:noFill/>
-            </a:ln>
-          </p:spPr>
-          <p:txBody>
-            <a:bodyPr anchorCtr="0" anchor="ctr" bIns="91425" lIns="91425" spcFirstLastPara="1" rIns="91425" wrap="square" tIns="91425">
-              <a:noAutofit/>
-            </a:bodyPr>
-            <a:lstStyle/>
-            <a:p>
-              <a:pPr indent="0" lvl="0" marL="0" rtl="0" algn="l">
-                <a:spcBef>
-                  <a:spcPts val="0"/>
-                </a:spcBef>
-                <a:spcAft>
-                  <a:spcPts val="0"/>
-                </a:spcAft>
-                <a:buNone/>
-              </a:pPr>
-              <a:r>
-                <a:rPr b="1" lang="en" sz="800">
-                  <a:solidFill>
-                    <a:schemeClr val="lt1"/>
-                  </a:solidFill>
-                  <a:latin typeface="Lexend"/>
-                  <a:ea typeface="Lexend"/>
-                  <a:cs typeface="Lexend"/>
-                  <a:sym typeface="Lexend"/>
-                </a:rPr>
-                <a:t>NexusRaven</a:t>
-              </a:r>
-              <a:endParaRPr b="1" sz="800">
+          </a:ln>
+        </p:spPr>
+        <p:txBody>
+          <a:bodyPr anchorCtr="0" anchor="ctr" bIns="91425" lIns="91425" spcFirstLastPara="1" rIns="91425" wrap="square" tIns="91425">
+            <a:noAutofit/>
+          </a:bodyPr>
+          <a:lstStyle/>
+          <a:p>
+            <a:pPr indent="0" lvl="0" marL="0" rtl="0" algn="l">
+              <a:spcBef>
+                <a:spcPts val="0"/>
+              </a:spcBef>
+              <a:spcAft>
+                <a:spcPts val="0"/>
+              </a:spcAft>
+              <a:buNone/>
+            </a:pPr>
+            <a:r>
+              <a:rPr b="1" lang="en" sz="800">
                 <a:solidFill>
                   <a:schemeClr val="lt1"/>
                 </a:solidFill>
@@ -5762,84 +5737,57 @@
                 <a:ea typeface="Lexend"/>
                 <a:cs typeface="Lexend"/>
                 <a:sym typeface="Lexend"/>
-              </a:endParaRPr>
-            </a:p>
-          </p:txBody>
-        </p:sp>
-      </p:grpSp>
-      <p:grpSp>
-        <p:nvGrpSpPr>
-          <p:cNvPr id="62" name="Google Shape;62;p13"/>
-          <p:cNvGrpSpPr/>
+              </a:rPr>
+              <a:t>NexusRaven</a:t>
+            </a:r>
+            <a:endParaRPr b="1" sz="800">
+              <a:solidFill>
+                <a:schemeClr val="lt1"/>
+              </a:solidFill>
+              <a:latin typeface="Lexend"/>
+              <a:ea typeface="Lexend"/>
+              <a:cs typeface="Lexend"/>
+              <a:sym typeface="Lexend"/>
+            </a:endParaRPr>
+          </a:p>
+        </p:txBody>
+      </p:sp>
+      <p:sp>
+        <p:nvSpPr>
+          <p:cNvPr id="61" name="Google Shape;61;p13"/>
+          <p:cNvSpPr/>
           <p:nvPr/>
-        </p:nvGrpSpPr>
-        <p:grpSpPr>
-          <a:xfrm>
-            <a:off x="326100" y="1457438"/>
-            <a:ext cx="1851232" cy="274125"/>
-            <a:chOff x="1210775" y="-47712"/>
-            <a:chExt cx="1851232" cy="274125"/>
-          </a:xfrm>
-        </p:grpSpPr>
-        <p:sp>
-          <p:nvSpPr>
-            <p:cNvPr id="63" name="Google Shape;63;p13"/>
-            <p:cNvSpPr/>
-            <p:nvPr/>
-          </p:nvSpPr>
-          <p:spPr>
-            <a:xfrm>
-              <a:off x="1329507" y="-34087"/>
-              <a:ext cx="1732500" cy="246900"/>
-            </a:xfrm>
-            <a:prstGeom prst="rect">
-              <a:avLst/>
-            </a:prstGeom>
+        </p:nvSpPr>
+        <p:spPr>
+          <a:xfrm>
+            <a:off x="781476" y="1491850"/>
+            <a:ext cx="1537200" cy="246900"/>
+          </a:xfrm>
+          <a:prstGeom prst="rect">
+            <a:avLst/>
+          </a:prstGeom>
+          <a:noFill/>
+          <a:ln>
             <a:noFill/>
-            <a:ln>
-              <a:noFill/>
-            </a:ln>
-          </p:spPr>
-          <p:txBody>
-            <a:bodyPr anchorCtr="0" anchor="ctr" bIns="91425" lIns="91425" spcFirstLastPara="1" rIns="91425" wrap="square" tIns="91425">
-              <a:noAutofit/>
-            </a:bodyPr>
-            <a:lstStyle/>
-            <a:p>
-              <a:pPr indent="0" lvl="0" marL="0" rtl="0" algn="ctr">
-                <a:spcBef>
-                  <a:spcPts val="0"/>
-                </a:spcBef>
-                <a:spcAft>
-                  <a:spcPts val="0"/>
-                </a:spcAft>
-                <a:buNone/>
-              </a:pPr>
-              <a:r>
-                <a:rPr b="1" lang="en" sz="800">
-                  <a:solidFill>
-                    <a:schemeClr val="lt1"/>
-                  </a:solidFill>
-                  <a:latin typeface="Lexend"/>
-                  <a:ea typeface="Lexend"/>
-                  <a:cs typeface="Lexend"/>
-                  <a:sym typeface="Lexend"/>
-                </a:rPr>
-                <a:t>OpenAssistant-</a:t>
-              </a:r>
-              <a:r>
-                <a:rPr b="1" lang="en" sz="800">
-                  <a:solidFill>
-                    <a:schemeClr val="lt1"/>
-                  </a:solidFill>
-                  <a:latin typeface="Lexend"/>
-                  <a:ea typeface="Lexend"/>
-                  <a:cs typeface="Lexend"/>
-                  <a:sym typeface="Lexend"/>
-                </a:rPr>
-                <a:t>Codellama</a:t>
-              </a:r>
-              <a:endParaRPr b="1" sz="800">
+          </a:ln>
+        </p:spPr>
+        <p:txBody>
+          <a:bodyPr anchorCtr="0" anchor="ctr" bIns="91425" lIns="91425" spcFirstLastPara="1" rIns="91425" wrap="square" tIns="91425">
+            <a:noAutofit/>
+          </a:bodyPr>
+          <a:lstStyle/>
+          <a:p>
+            <a:pPr indent="0" lvl="0" marL="0" rtl="0" algn="l">
+              <a:spcBef>
+                <a:spcPts val="0"/>
+              </a:spcBef>
+              <a:spcAft>
+                <a:spcPts val="0"/>
+              </a:spcAft>
+              <a:buNone/>
+            </a:pPr>
+            <a:r>
+              <a:rPr b="1" lang="en" sz="800">
                 <a:solidFill>
                   <a:schemeClr val="lt1"/>
                 </a:solidFill>
@@ -5847,128 +5795,11 @@
                 <a:ea typeface="Lexend"/>
                 <a:cs typeface="Lexend"/>
                 <a:sym typeface="Lexend"/>
-              </a:endParaRPr>
-            </a:p>
-          </p:txBody>
-        </p:sp>
-        <p:pic>
-          <p:nvPicPr>
-            <p:cNvPr id="64" name="Google Shape;64;p13"/>
-            <p:cNvPicPr preferRelativeResize="0"/>
-            <p:nvPr/>
-          </p:nvPicPr>
-          <p:blipFill>
-            <a:blip r:embed="rId5">
-              <a:alphaModFix/>
-            </a:blip>
-            <a:stretch>
-              <a:fillRect/>
-            </a:stretch>
-          </p:blipFill>
-          <p:spPr>
-            <a:xfrm>
-              <a:off x="1210775" y="-47712"/>
-              <a:ext cx="274125" cy="274125"/>
-            </a:xfrm>
-            <a:prstGeom prst="rect">
-              <a:avLst/>
-            </a:prstGeom>
-            <a:noFill/>
-            <a:ln>
-              <a:noFill/>
-            </a:ln>
-          </p:spPr>
-        </p:pic>
-      </p:grpSp>
-      <p:grpSp>
-        <p:nvGrpSpPr>
-          <p:cNvPr id="65" name="Google Shape;65;p13"/>
-          <p:cNvGrpSpPr/>
-          <p:nvPr/>
-        </p:nvGrpSpPr>
-        <p:grpSpPr>
-          <a:xfrm>
-            <a:off x="347996" y="1045288"/>
-            <a:ext cx="1616404" cy="274125"/>
-            <a:chOff x="1043146" y="963963"/>
-            <a:chExt cx="1616404" cy="274125"/>
-          </a:xfrm>
-        </p:grpSpPr>
-        <p:pic>
-          <p:nvPicPr>
-            <p:cNvPr id="66" name="Google Shape;66;p13"/>
-            <p:cNvPicPr preferRelativeResize="0"/>
-            <p:nvPr/>
-          </p:nvPicPr>
-          <p:blipFill>
-            <a:blip r:embed="rId6">
-              <a:alphaModFix/>
-            </a:blip>
-            <a:stretch>
-              <a:fillRect/>
-            </a:stretch>
-          </p:blipFill>
-          <p:spPr>
-            <a:xfrm>
-              <a:off x="1043146" y="963963"/>
-              <a:ext cx="274125" cy="274125"/>
-            </a:xfrm>
-            <a:prstGeom prst="rect">
-              <a:avLst/>
-            </a:prstGeom>
-            <a:noFill/>
-            <a:ln>
-              <a:noFill/>
-            </a:ln>
-          </p:spPr>
-        </p:pic>
-        <p:sp>
-          <p:nvSpPr>
-            <p:cNvPr id="67" name="Google Shape;67;p13"/>
-            <p:cNvSpPr/>
-            <p:nvPr/>
-          </p:nvSpPr>
-          <p:spPr>
-            <a:xfrm>
-              <a:off x="1043150" y="977588"/>
-              <a:ext cx="1616400" cy="246900"/>
-            </a:xfrm>
-            <a:prstGeom prst="rect">
-              <a:avLst/>
-            </a:prstGeom>
-            <a:noFill/>
-            <a:ln>
-              <a:noFill/>
-            </a:ln>
-          </p:spPr>
-          <p:txBody>
-            <a:bodyPr anchorCtr="0" anchor="ctr" bIns="91425" lIns="91425" spcFirstLastPara="1" rIns="91425" wrap="square" tIns="91425">
-              <a:noAutofit/>
-            </a:bodyPr>
-            <a:lstStyle/>
-            <a:p>
-              <a:pPr indent="0" lvl="0" marL="0" rtl="0" algn="ctr">
-                <a:spcBef>
-                  <a:spcPts val="0"/>
-                </a:spcBef>
-                <a:spcAft>
-                  <a:spcPts val="0"/>
-                </a:spcAft>
-                <a:buNone/>
-              </a:pPr>
-              <a:r>
-                <a:rPr b="1" lang="en" sz="800">
-                  <a:solidFill>
-                    <a:schemeClr val="lt1"/>
-                  </a:solidFill>
-                  <a:latin typeface="Lexend"/>
-                  <a:ea typeface="Lexend"/>
-                  <a:cs typeface="Lexend"/>
-                  <a:sym typeface="Lexend"/>
-                </a:rPr>
-                <a:t>Phind-CodeLlama</a:t>
-              </a:r>
-              <a:endParaRPr b="1" sz="800">
+              </a:rPr>
+              <a:t>OpenAssistant-</a:t>
+            </a:r>
+            <a:r>
+              <a:rPr b="1" lang="en" sz="800">
                 <a:solidFill>
                   <a:schemeClr val="lt1"/>
                 </a:solidFill>
@@ -5976,72 +5807,113 @@
                 <a:ea typeface="Lexend"/>
                 <a:cs typeface="Lexend"/>
                 <a:sym typeface="Lexend"/>
-              </a:endParaRPr>
-            </a:p>
-          </p:txBody>
-        </p:sp>
-      </p:grpSp>
-      <p:grpSp>
-        <p:nvGrpSpPr>
-          <p:cNvPr id="68" name="Google Shape;68;p13"/>
-          <p:cNvGrpSpPr/>
+              </a:rPr>
+              <a:t>Codellama</a:t>
+            </a:r>
+            <a:endParaRPr b="1" sz="800">
+              <a:solidFill>
+                <a:schemeClr val="lt1"/>
+              </a:solidFill>
+              <a:latin typeface="Lexend"/>
+              <a:ea typeface="Lexend"/>
+              <a:cs typeface="Lexend"/>
+              <a:sym typeface="Lexend"/>
+            </a:endParaRPr>
+          </a:p>
+        </p:txBody>
+      </p:sp>
+      <p:pic>
+        <p:nvPicPr>
+          <p:cNvPr id="62" name="Google Shape;62;p13"/>
+          <p:cNvPicPr preferRelativeResize="0"/>
           <p:nvPr/>
-        </p:nvGrpSpPr>
-        <p:grpSpPr>
-          <a:xfrm>
-            <a:off x="326088" y="715763"/>
-            <a:ext cx="1272213" cy="246900"/>
-            <a:chOff x="-2667687" y="2018000"/>
-            <a:chExt cx="1272213" cy="246900"/>
-          </a:xfrm>
-        </p:grpSpPr>
-        <p:sp>
-          <p:nvSpPr>
-            <p:cNvPr id="69" name="Google Shape;69;p13"/>
-            <p:cNvSpPr/>
-            <p:nvPr/>
-          </p:nvSpPr>
-          <p:spPr>
-            <a:xfrm>
-              <a:off x="-2509675" y="2018000"/>
-              <a:ext cx="1114200" cy="246900"/>
-            </a:xfrm>
-            <a:prstGeom prst="rect">
-              <a:avLst/>
-            </a:prstGeom>
+        </p:nvPicPr>
+        <p:blipFill>
+          <a:blip r:embed="rId5">
+            <a:alphaModFix/>
+          </a:blip>
+          <a:stretch>
+            <a:fillRect/>
+          </a:stretch>
+        </p:blipFill>
+        <p:spPr>
+          <a:xfrm>
+            <a:off x="485575" y="1483975"/>
+            <a:ext cx="274125" cy="274125"/>
+          </a:xfrm>
+          <a:prstGeom prst="rect">
+            <a:avLst/>
+          </a:prstGeom>
+          <a:noFill/>
+          <a:ln>
             <a:noFill/>
-            <a:ln>
-              <a:noFill/>
-            </a:ln>
-          </p:spPr>
-          <p:txBody>
-            <a:bodyPr anchorCtr="0" anchor="ctr" bIns="91425" lIns="91425" spcFirstLastPara="1" rIns="91425" wrap="square" tIns="91425">
-              <a:noAutofit/>
-            </a:bodyPr>
-            <a:lstStyle/>
-            <a:p>
-              <a:pPr indent="0" lvl="0" marL="0" rtl="0" algn="ctr">
-                <a:spcBef>
-                  <a:spcPts val="0"/>
-                </a:spcBef>
-                <a:spcAft>
-                  <a:spcPts val="0"/>
-                </a:spcAft>
-                <a:buNone/>
-              </a:pPr>
-              <a:r>
-                <a:rPr b="1" lang="en" sz="800">
-                  <a:solidFill>
-                    <a:schemeClr val="lt1"/>
-                  </a:solidFill>
-                  <a:latin typeface="Lexend"/>
-                  <a:ea typeface="Lexend"/>
-                  <a:cs typeface="Lexend"/>
-                  <a:sym typeface="Lexend"/>
-                </a:rPr>
-                <a:t>WizardCoder-34B</a:t>
-              </a:r>
-              <a:endParaRPr b="1" sz="800">
+          </a:ln>
+        </p:spPr>
+      </p:pic>
+      <p:pic>
+        <p:nvPicPr>
+          <p:cNvPr id="63" name="Google Shape;63;p13"/>
+          <p:cNvPicPr preferRelativeResize="0"/>
+          <p:nvPr/>
+        </p:nvPicPr>
+        <p:blipFill>
+          <a:blip r:embed="rId6">
+            <a:alphaModFix/>
+          </a:blip>
+          <a:stretch>
+            <a:fillRect/>
+          </a:stretch>
+        </p:blipFill>
+        <p:spPr>
+          <a:xfrm>
+            <a:off x="510049" y="1152347"/>
+            <a:ext cx="212425" cy="212425"/>
+          </a:xfrm>
+          <a:prstGeom prst="rect">
+            <a:avLst/>
+          </a:prstGeom>
+          <a:noFill/>
+          <a:ln>
+            <a:noFill/>
+          </a:ln>
+        </p:spPr>
+      </p:pic>
+      <p:sp>
+        <p:nvSpPr>
+          <p:cNvPr id="64" name="Google Shape;64;p13"/>
+          <p:cNvSpPr/>
+          <p:nvPr/>
+        </p:nvSpPr>
+        <p:spPr>
+          <a:xfrm>
+            <a:off x="781475" y="1135100"/>
+            <a:ext cx="1353300" cy="246900"/>
+          </a:xfrm>
+          <a:prstGeom prst="rect">
+            <a:avLst/>
+          </a:prstGeom>
+          <a:noFill/>
+          <a:ln>
+            <a:noFill/>
+          </a:ln>
+        </p:spPr>
+        <p:txBody>
+          <a:bodyPr anchorCtr="0" anchor="ctr" bIns="91425" lIns="91425" spcFirstLastPara="1" rIns="91425" wrap="square" tIns="91425">
+            <a:noAutofit/>
+          </a:bodyPr>
+          <a:lstStyle/>
+          <a:p>
+            <a:pPr indent="0" lvl="0" marL="0" rtl="0" algn="l">
+              <a:spcBef>
+                <a:spcPts val="0"/>
+              </a:spcBef>
+              <a:spcAft>
+                <a:spcPts val="0"/>
+              </a:spcAft>
+              <a:buNone/>
+            </a:pPr>
+            <a:r>
+              <a:rPr b="1" lang="en" sz="800">
                 <a:solidFill>
                   <a:schemeClr val="lt1"/>
                 </a:solidFill>
@@ -6049,42 +5921,110 @@
                 <a:ea typeface="Lexend"/>
                 <a:cs typeface="Lexend"/>
                 <a:sym typeface="Lexend"/>
-              </a:endParaRPr>
-            </a:p>
-          </p:txBody>
-        </p:sp>
-        <p:pic>
-          <p:nvPicPr>
-            <p:cNvPr id="70" name="Google Shape;70;p13"/>
-            <p:cNvPicPr preferRelativeResize="0"/>
-            <p:nvPr/>
-          </p:nvPicPr>
-          <p:blipFill>
-            <a:blip r:embed="rId7">
-              <a:alphaModFix/>
-            </a:blip>
-            <a:stretch>
-              <a:fillRect/>
-            </a:stretch>
-          </p:blipFill>
-          <p:spPr>
-            <a:xfrm>
-              <a:off x="-2667687" y="2035238"/>
-              <a:ext cx="212425" cy="212425"/>
-            </a:xfrm>
-            <a:prstGeom prst="rect">
-              <a:avLst/>
-            </a:prstGeom>
+              </a:rPr>
+              <a:t>Phind-CodeLlama</a:t>
+            </a:r>
+            <a:endParaRPr b="1" sz="800">
+              <a:solidFill>
+                <a:schemeClr val="lt1"/>
+              </a:solidFill>
+              <a:latin typeface="Lexend"/>
+              <a:ea typeface="Lexend"/>
+              <a:cs typeface="Lexend"/>
+              <a:sym typeface="Lexend"/>
+            </a:endParaRPr>
+          </a:p>
+        </p:txBody>
+      </p:sp>
+      <p:sp>
+        <p:nvSpPr>
+          <p:cNvPr id="65" name="Google Shape;65;p13"/>
+          <p:cNvSpPr/>
+          <p:nvPr/>
+        </p:nvSpPr>
+        <p:spPr>
+          <a:xfrm>
+            <a:off x="781475" y="809200"/>
+            <a:ext cx="1179900" cy="246900"/>
+          </a:xfrm>
+          <a:prstGeom prst="rect">
+            <a:avLst/>
+          </a:prstGeom>
+          <a:noFill/>
+          <a:ln>
             <a:noFill/>
-            <a:ln>
-              <a:noFill/>
-            </a:ln>
-          </p:spPr>
-        </p:pic>
-      </p:grpSp>
+          </a:ln>
+        </p:spPr>
+        <p:txBody>
+          <a:bodyPr anchorCtr="0" anchor="ctr" bIns="91425" lIns="91425" spcFirstLastPara="1" rIns="91425" wrap="square" tIns="91425">
+            <a:noAutofit/>
+          </a:bodyPr>
+          <a:lstStyle/>
+          <a:p>
+            <a:pPr indent="0" lvl="0" marL="0" rtl="0" algn="l">
+              <a:spcBef>
+                <a:spcPts val="0"/>
+              </a:spcBef>
+              <a:spcAft>
+                <a:spcPts val="0"/>
+              </a:spcAft>
+              <a:buNone/>
+            </a:pPr>
+            <a:r>
+              <a:rPr b="1" lang="en" sz="800">
+                <a:solidFill>
+                  <a:schemeClr val="lt1"/>
+                </a:solidFill>
+                <a:latin typeface="Lexend"/>
+                <a:ea typeface="Lexend"/>
+                <a:cs typeface="Lexend"/>
+                <a:sym typeface="Lexend"/>
+              </a:rPr>
+              <a:t>WizardCoder</a:t>
+            </a:r>
+            <a:endParaRPr b="1" sz="800">
+              <a:solidFill>
+                <a:schemeClr val="lt1"/>
+              </a:solidFill>
+              <a:latin typeface="Lexend"/>
+              <a:ea typeface="Lexend"/>
+              <a:cs typeface="Lexend"/>
+              <a:sym typeface="Lexend"/>
+            </a:endParaRPr>
+          </a:p>
+        </p:txBody>
+      </p:sp>
       <p:pic>
         <p:nvPicPr>
-          <p:cNvPr id="71" name="Google Shape;71;p13"/>
+          <p:cNvPr id="66" name="Google Shape;66;p13"/>
+          <p:cNvPicPr preferRelativeResize="0"/>
+          <p:nvPr/>
+        </p:nvPicPr>
+        <p:blipFill>
+          <a:blip r:embed="rId7">
+            <a:alphaModFix/>
+          </a:blip>
+          <a:stretch>
+            <a:fillRect/>
+          </a:stretch>
+        </p:blipFill>
+        <p:spPr>
+          <a:xfrm>
+            <a:off x="510038" y="826450"/>
+            <a:ext cx="212425" cy="212425"/>
+          </a:xfrm>
+          <a:prstGeom prst="rect">
+            <a:avLst/>
+          </a:prstGeom>
+          <a:noFill/>
+          <a:ln>
+            <a:noFill/>
+          </a:ln>
+        </p:spPr>
+      </p:pic>
+      <p:pic>
+        <p:nvPicPr>
+          <p:cNvPr id="67" name="Google Shape;67;p13"/>
           <p:cNvPicPr preferRelativeResize="0"/>
           <p:nvPr/>
         </p:nvPicPr>
@@ -6098,7 +6038,7 @@
         </p:blipFill>
         <p:spPr>
           <a:xfrm>
-            <a:off x="8484500" y="4504525"/>
+            <a:off x="8249325" y="4398675"/>
             <a:ext cx="508150" cy="508150"/>
           </a:xfrm>
           <a:prstGeom prst="rect">
@@ -6112,13 +6052,13 @@
       </p:pic>
       <p:sp>
         <p:nvSpPr>
-          <p:cNvPr id="72" name="Google Shape;72;p13"/>
+          <p:cNvPr id="68" name="Google Shape;68;p13"/>
           <p:cNvSpPr/>
           <p:nvPr/>
         </p:nvSpPr>
         <p:spPr>
           <a:xfrm>
-            <a:off x="2235650" y="132600"/>
+            <a:off x="2388050" y="208800"/>
             <a:ext cx="1403400" cy="1982700"/>
           </a:xfrm>
           <a:prstGeom prst="rect">
@@ -6162,13 +6102,13 @@
       </p:sp>
       <p:grpSp>
         <p:nvGrpSpPr>
-          <p:cNvPr id="73" name="Google Shape;73;p13"/>
+          <p:cNvPr id="69" name="Google Shape;69;p13"/>
           <p:cNvGrpSpPr/>
           <p:nvPr/>
         </p:nvGrpSpPr>
         <p:grpSpPr>
           <a:xfrm>
-            <a:off x="2269514" y="217950"/>
+            <a:off x="2421914" y="294150"/>
             <a:ext cx="1403498" cy="381000"/>
             <a:chOff x="1291302" y="2530875"/>
             <a:chExt cx="1403498" cy="381000"/>
@@ -6176,7 +6116,7 @@
         </p:grpSpPr>
         <p:pic>
           <p:nvPicPr>
-            <p:cNvPr id="74" name="Google Shape;74;p13"/>
+            <p:cNvPr id="70" name="Google Shape;70;p13"/>
             <p:cNvPicPr preferRelativeResize="0"/>
             <p:nvPr/>
           </p:nvPicPr>
@@ -6204,7 +6144,7 @@
         </p:pic>
         <p:sp>
           <p:nvSpPr>
-            <p:cNvPr id="75" name="Google Shape;75;p13"/>
+            <p:cNvPr id="71" name="Google Shape;71;p13"/>
             <p:cNvSpPr/>
             <p:nvPr/>
           </p:nvSpPr>
@@ -6261,67 +6201,9 @@
           </p:txBody>
         </p:sp>
       </p:grpSp>
-      <p:sp>
-        <p:nvSpPr>
-          <p:cNvPr id="76" name="Google Shape;76;p13"/>
-          <p:cNvSpPr/>
-          <p:nvPr/>
-        </p:nvSpPr>
-        <p:spPr>
-          <a:xfrm>
-            <a:off x="2540175" y="1580400"/>
-            <a:ext cx="1114200" cy="246900"/>
-          </a:xfrm>
-          <a:prstGeom prst="rect">
-            <a:avLst/>
-          </a:prstGeom>
-          <a:noFill/>
-          <a:ln>
-            <a:noFill/>
-          </a:ln>
-        </p:spPr>
-        <p:txBody>
-          <a:bodyPr anchorCtr="0" anchor="ctr" bIns="91425" lIns="91425" spcFirstLastPara="1" rIns="91425" wrap="square" tIns="91425">
-            <a:noAutofit/>
-          </a:bodyPr>
-          <a:lstStyle/>
-          <a:p>
-            <a:pPr indent="0" lvl="0" marL="0" rtl="0" algn="l">
-              <a:spcBef>
-                <a:spcPts val="0"/>
-              </a:spcBef>
-              <a:spcAft>
-                <a:spcPts val="0"/>
-              </a:spcAft>
-              <a:buNone/>
-            </a:pPr>
-            <a:r>
-              <a:rPr b="1" lang="en" sz="800">
-                <a:solidFill>
-                  <a:schemeClr val="lt1"/>
-                </a:solidFill>
-                <a:latin typeface="Lexend"/>
-                <a:ea typeface="Lexend"/>
-                <a:cs typeface="Lexend"/>
-                <a:sym typeface="Lexend"/>
-              </a:rPr>
-              <a:t>Mistral-OpenOcra</a:t>
-            </a:r>
-            <a:endParaRPr b="1" sz="800">
-              <a:solidFill>
-                <a:schemeClr val="lt1"/>
-              </a:solidFill>
-              <a:latin typeface="Lexend"/>
-              <a:ea typeface="Lexend"/>
-              <a:cs typeface="Lexend"/>
-              <a:sym typeface="Lexend"/>
-            </a:endParaRPr>
-          </a:p>
-        </p:txBody>
-      </p:sp>
       <p:pic>
         <p:nvPicPr>
-          <p:cNvPr id="77" name="Google Shape;77;p13"/>
+          <p:cNvPr id="72" name="Google Shape;72;p13"/>
           <p:cNvPicPr preferRelativeResize="0"/>
           <p:nvPr/>
         </p:nvPicPr>
@@ -6335,7 +6217,7 @@
         </p:blipFill>
         <p:spPr>
           <a:xfrm>
-            <a:off x="2355600" y="1589550"/>
+            <a:off x="2463856" y="1665750"/>
             <a:ext cx="228600" cy="228600"/>
           </a:xfrm>
           <a:prstGeom prst="rect">
@@ -6349,7 +6231,7 @@
       </p:pic>
       <p:pic>
         <p:nvPicPr>
-          <p:cNvPr id="78" name="Google Shape;78;p13"/>
+          <p:cNvPr id="73" name="Google Shape;73;p13"/>
           <p:cNvPicPr preferRelativeResize="0"/>
           <p:nvPr/>
         </p:nvPicPr>
@@ -6363,8 +6245,8 @@
         </p:blipFill>
         <p:spPr>
           <a:xfrm>
-            <a:off x="2368544" y="1155438"/>
-            <a:ext cx="246900" cy="246900"/>
+            <a:off x="2463855" y="1252424"/>
+            <a:ext cx="228600" cy="228600"/>
           </a:xfrm>
           <a:prstGeom prst="rect">
             <a:avLst/>
@@ -6377,13 +6259,13 @@
       </p:pic>
       <p:sp>
         <p:nvSpPr>
-          <p:cNvPr id="79" name="Google Shape;79;p13"/>
+          <p:cNvPr id="74" name="Google Shape;74;p13"/>
           <p:cNvSpPr/>
           <p:nvPr/>
         </p:nvSpPr>
         <p:spPr>
           <a:xfrm>
-            <a:off x="2615450" y="1155450"/>
+            <a:off x="2652206" y="1238700"/>
             <a:ext cx="890700" cy="246900"/>
           </a:xfrm>
           <a:prstGeom prst="rect">
@@ -6435,13 +6317,13 @@
       </p:sp>
       <p:sp>
         <p:nvSpPr>
-          <p:cNvPr id="80" name="Google Shape;80;p13"/>
+          <p:cNvPr id="75" name="Google Shape;75;p13"/>
           <p:cNvSpPr/>
           <p:nvPr/>
         </p:nvSpPr>
         <p:spPr>
           <a:xfrm>
-            <a:off x="2564425" y="753750"/>
+            <a:off x="2652206" y="829950"/>
             <a:ext cx="688500" cy="246900"/>
           </a:xfrm>
           <a:prstGeom prst="rect">
@@ -6493,7 +6375,7 @@
       </p:sp>
       <p:pic>
         <p:nvPicPr>
-          <p:cNvPr id="81" name="Google Shape;81;p13"/>
+          <p:cNvPr id="76" name="Google Shape;76;p13"/>
           <p:cNvPicPr preferRelativeResize="0"/>
           <p:nvPr/>
         </p:nvPicPr>
@@ -6507,7 +6389,7 @@
         </p:blipFill>
         <p:spPr>
           <a:xfrm>
-            <a:off x="2376075" y="762900"/>
+            <a:off x="2463856" y="839100"/>
             <a:ext cx="228600" cy="228600"/>
           </a:xfrm>
           <a:prstGeom prst="rect">
@@ -6521,14 +6403,14 @@
       </p:pic>
       <p:sp>
         <p:nvSpPr>
-          <p:cNvPr id="82" name="Google Shape;82;p13"/>
+          <p:cNvPr id="77" name="Google Shape;77;p13"/>
           <p:cNvSpPr/>
           <p:nvPr/>
         </p:nvSpPr>
         <p:spPr>
           <a:xfrm>
-            <a:off x="1737525" y="3915725"/>
-            <a:ext cx="1271100" cy="1013400"/>
+            <a:off x="1823200" y="3765850"/>
+            <a:ext cx="1163100" cy="1024800"/>
           </a:xfrm>
           <a:prstGeom prst="rect">
             <a:avLst/>
@@ -6571,13 +6453,13 @@
       </p:sp>
       <p:sp>
         <p:nvSpPr>
-          <p:cNvPr id="83" name="Google Shape;83;p13"/>
+          <p:cNvPr id="78" name="Google Shape;78;p13"/>
           <p:cNvSpPr/>
           <p:nvPr/>
         </p:nvSpPr>
         <p:spPr>
           <a:xfrm>
-            <a:off x="2234625" y="4036075"/>
+            <a:off x="2297788" y="3886206"/>
             <a:ext cx="688500" cy="381000"/>
           </a:xfrm>
           <a:prstGeom prst="rect">
@@ -6629,13 +6511,13 @@
       </p:sp>
       <p:sp>
         <p:nvSpPr>
-          <p:cNvPr id="84" name="Google Shape;84;p13"/>
+          <p:cNvPr id="79" name="Google Shape;79;p13"/>
           <p:cNvSpPr/>
           <p:nvPr/>
         </p:nvSpPr>
         <p:spPr>
           <a:xfrm>
-            <a:off x="2161975" y="4561475"/>
+            <a:off x="2225138" y="4411606"/>
             <a:ext cx="581100" cy="246900"/>
           </a:xfrm>
           <a:prstGeom prst="rect">
@@ -6687,7 +6569,7 @@
       </p:sp>
       <p:pic>
         <p:nvPicPr>
-          <p:cNvPr id="85" name="Google Shape;85;p13"/>
+          <p:cNvPr id="80" name="Google Shape;80;p13"/>
           <p:cNvPicPr preferRelativeResize="0"/>
           <p:nvPr/>
         </p:nvPicPr>
@@ -6701,7 +6583,7 @@
         </p:blipFill>
         <p:spPr>
           <a:xfrm>
-            <a:off x="1915077" y="4561477"/>
+            <a:off x="1978240" y="4411608"/>
             <a:ext cx="246902" cy="246902"/>
           </a:xfrm>
           <a:prstGeom prst="rect">
@@ -6715,7 +6597,7 @@
       </p:pic>
       <p:pic>
         <p:nvPicPr>
-          <p:cNvPr id="86" name="Google Shape;86;p13"/>
+          <p:cNvPr id="81" name="Google Shape;81;p13"/>
           <p:cNvPicPr preferRelativeResize="0"/>
           <p:nvPr/>
         </p:nvPicPr>
@@ -6729,7 +6611,7 @@
         </p:blipFill>
         <p:spPr>
           <a:xfrm>
-            <a:off x="1848024" y="4036074"/>
+            <a:off x="1911187" y="3886205"/>
             <a:ext cx="381000" cy="381000"/>
           </a:xfrm>
           <a:prstGeom prst="rect">
@@ -6743,14 +6625,14 @@
       </p:pic>
       <p:sp>
         <p:nvSpPr>
-          <p:cNvPr id="87" name="Google Shape;87;p13"/>
+          <p:cNvPr id="82" name="Google Shape;82;p13"/>
           <p:cNvSpPr/>
           <p:nvPr/>
         </p:nvSpPr>
         <p:spPr>
           <a:xfrm>
-            <a:off x="206975" y="3915725"/>
-            <a:ext cx="1358700" cy="1013400"/>
+            <a:off x="414725" y="3765850"/>
+            <a:ext cx="1304700" cy="1024800"/>
           </a:xfrm>
           <a:prstGeom prst="rect">
             <a:avLst/>
@@ -6793,13 +6675,13 @@
       </p:sp>
       <p:sp>
         <p:nvSpPr>
-          <p:cNvPr id="88" name="Google Shape;88;p13"/>
+          <p:cNvPr id="83" name="Google Shape;83;p13"/>
           <p:cNvSpPr/>
           <p:nvPr/>
         </p:nvSpPr>
         <p:spPr>
           <a:xfrm>
-            <a:off x="704075" y="4036075"/>
+            <a:off x="857900" y="3859881"/>
             <a:ext cx="861600" cy="381000"/>
           </a:xfrm>
           <a:prstGeom prst="rect">
@@ -6851,13 +6733,13 @@
       </p:sp>
       <p:sp>
         <p:nvSpPr>
-          <p:cNvPr id="89" name="Google Shape;89;p13"/>
+          <p:cNvPr id="84" name="Google Shape;84;p13"/>
           <p:cNvSpPr/>
           <p:nvPr/>
         </p:nvSpPr>
         <p:spPr>
           <a:xfrm>
-            <a:off x="631425" y="4561475"/>
+            <a:off x="785250" y="4385281"/>
             <a:ext cx="688500" cy="246900"/>
           </a:xfrm>
           <a:prstGeom prst="rect">
@@ -6921,7 +6803,7 @@
       </p:sp>
       <p:pic>
         <p:nvPicPr>
-          <p:cNvPr id="90" name="Google Shape;90;p13"/>
+          <p:cNvPr id="85" name="Google Shape;85;p13"/>
           <p:cNvPicPr preferRelativeResize="0"/>
           <p:nvPr/>
         </p:nvPicPr>
@@ -6935,7 +6817,7 @@
         </p:blipFill>
         <p:spPr>
           <a:xfrm>
-            <a:off x="326100" y="4036075"/>
+            <a:off x="526125" y="3859881"/>
             <a:ext cx="381000" cy="381000"/>
           </a:xfrm>
           <a:prstGeom prst="rect">
@@ -6949,7 +6831,7 @@
       </p:pic>
       <p:pic>
         <p:nvPicPr>
-          <p:cNvPr id="91" name="Google Shape;91;p13"/>
+          <p:cNvPr id="86" name="Google Shape;86;p13"/>
           <p:cNvPicPr preferRelativeResize="0"/>
           <p:nvPr/>
         </p:nvPicPr>
@@ -6963,7 +6845,7 @@
         </p:blipFill>
         <p:spPr>
           <a:xfrm>
-            <a:off x="393150" y="4561475"/>
+            <a:off x="593175" y="4385281"/>
             <a:ext cx="246900" cy="246900"/>
           </a:xfrm>
           <a:prstGeom prst="rect">
@@ -6977,14 +6859,14 @@
       </p:pic>
       <p:sp>
         <p:nvSpPr>
-          <p:cNvPr id="92" name="Google Shape;92;p13"/>
+          <p:cNvPr id="87" name="Google Shape;87;p13"/>
           <p:cNvSpPr/>
           <p:nvPr/>
         </p:nvSpPr>
         <p:spPr>
           <a:xfrm>
-            <a:off x="206975" y="2284163"/>
-            <a:ext cx="1403400" cy="1355700"/>
+            <a:off x="414725" y="2286900"/>
+            <a:ext cx="1409400" cy="1381200"/>
           </a:xfrm>
           <a:prstGeom prst="rect">
             <a:avLst/>
@@ -7027,13 +6909,13 @@
       </p:sp>
       <p:sp>
         <p:nvSpPr>
-          <p:cNvPr id="93" name="Google Shape;93;p13"/>
+          <p:cNvPr id="88" name="Google Shape;88;p13"/>
           <p:cNvSpPr/>
           <p:nvPr/>
         </p:nvSpPr>
         <p:spPr>
           <a:xfrm>
-            <a:off x="725950" y="2404513"/>
+            <a:off x="939625" y="2414207"/>
             <a:ext cx="581100" cy="381000"/>
           </a:xfrm>
           <a:prstGeom prst="rect">
@@ -7085,13 +6967,13 @@
       </p:sp>
       <p:sp>
         <p:nvSpPr>
-          <p:cNvPr id="94" name="Google Shape;94;p13"/>
+          <p:cNvPr id="89" name="Google Shape;89;p13"/>
           <p:cNvSpPr/>
           <p:nvPr/>
         </p:nvSpPr>
         <p:spPr>
           <a:xfrm>
-            <a:off x="631488" y="2901913"/>
+            <a:off x="845163" y="2911607"/>
             <a:ext cx="948900" cy="246900"/>
           </a:xfrm>
           <a:prstGeom prst="rect">
@@ -7143,13 +7025,13 @@
       </p:sp>
       <p:sp>
         <p:nvSpPr>
-          <p:cNvPr id="95" name="Google Shape;95;p13"/>
+          <p:cNvPr id="90" name="Google Shape;90;p13"/>
           <p:cNvSpPr/>
           <p:nvPr/>
         </p:nvSpPr>
         <p:spPr>
           <a:xfrm>
-            <a:off x="659150" y="3265263"/>
+            <a:off x="872825" y="3274957"/>
             <a:ext cx="508200" cy="246900"/>
           </a:xfrm>
           <a:prstGeom prst="rect">
@@ -7201,7 +7083,7 @@
       </p:sp>
       <p:pic>
         <p:nvPicPr>
-          <p:cNvPr id="96" name="Google Shape;96;p13"/>
+          <p:cNvPr id="91" name="Google Shape;91;p13"/>
           <p:cNvPicPr preferRelativeResize="0"/>
           <p:nvPr/>
         </p:nvPicPr>
@@ -7215,7 +7097,7 @@
         </p:blipFill>
         <p:spPr>
           <a:xfrm>
-            <a:off x="345200" y="2404513"/>
+            <a:off x="558875" y="2414207"/>
             <a:ext cx="381000" cy="381000"/>
           </a:xfrm>
           <a:prstGeom prst="rect">
@@ -7229,7 +7111,7 @@
       </p:pic>
       <p:pic>
         <p:nvPicPr>
-          <p:cNvPr id="97" name="Google Shape;97;p13"/>
+          <p:cNvPr id="92" name="Google Shape;92;p13"/>
           <p:cNvPicPr preferRelativeResize="0"/>
           <p:nvPr/>
         </p:nvPicPr>
@@ -7243,7 +7125,7 @@
         </p:blipFill>
         <p:spPr>
           <a:xfrm>
-            <a:off x="412238" y="2901925"/>
+            <a:off x="625913" y="2911619"/>
             <a:ext cx="246900" cy="246900"/>
           </a:xfrm>
           <a:prstGeom prst="rect">
@@ -7257,7 +7139,7 @@
       </p:pic>
       <p:pic>
         <p:nvPicPr>
-          <p:cNvPr id="98" name="Google Shape;98;p13"/>
+          <p:cNvPr id="93" name="Google Shape;93;p13"/>
           <p:cNvPicPr preferRelativeResize="0"/>
           <p:nvPr/>
         </p:nvPicPr>
@@ -7271,7 +7153,7 @@
         </p:blipFill>
         <p:spPr>
           <a:xfrm>
-            <a:off x="416500" y="3265263"/>
+            <a:off x="630175" y="3274957"/>
             <a:ext cx="246900" cy="246900"/>
           </a:xfrm>
           <a:prstGeom prst="rect">
@@ -7285,14 +7167,14 @@
       </p:pic>
       <p:sp>
         <p:nvSpPr>
-          <p:cNvPr id="99" name="Google Shape;99;p13"/>
+          <p:cNvPr id="94" name="Google Shape;94;p13"/>
           <p:cNvSpPr/>
           <p:nvPr/>
         </p:nvSpPr>
         <p:spPr>
           <a:xfrm>
-            <a:off x="1766825" y="2334075"/>
-            <a:ext cx="1863600" cy="1362900"/>
+            <a:off x="1928188" y="2287619"/>
+            <a:ext cx="1863600" cy="1380600"/>
           </a:xfrm>
           <a:prstGeom prst="rect">
             <a:avLst/>
@@ -7335,13 +7217,13 @@
       </p:sp>
       <p:sp>
         <p:nvSpPr>
-          <p:cNvPr id="100" name="Google Shape;100;p13"/>
+          <p:cNvPr id="95" name="Google Shape;95;p13"/>
           <p:cNvSpPr/>
           <p:nvPr/>
         </p:nvSpPr>
         <p:spPr>
           <a:xfrm>
-            <a:off x="2259738" y="2390125"/>
+            <a:off x="2410713" y="2361282"/>
             <a:ext cx="861600" cy="381000"/>
           </a:xfrm>
           <a:prstGeom prst="rect">
@@ -7393,13 +7275,13 @@
       </p:sp>
       <p:sp>
         <p:nvSpPr>
-          <p:cNvPr id="101" name="Google Shape;101;p13"/>
+          <p:cNvPr id="96" name="Google Shape;96;p13"/>
           <p:cNvSpPr/>
           <p:nvPr/>
         </p:nvSpPr>
         <p:spPr>
           <a:xfrm>
-            <a:off x="2270088" y="2735138"/>
+            <a:off x="2421063" y="2706294"/>
             <a:ext cx="766200" cy="246900"/>
           </a:xfrm>
           <a:prstGeom prst="rect">
@@ -7451,13 +7333,13 @@
       </p:sp>
       <p:sp>
         <p:nvSpPr>
-          <p:cNvPr id="102" name="Google Shape;102;p13"/>
+          <p:cNvPr id="97" name="Google Shape;97;p13"/>
           <p:cNvSpPr/>
           <p:nvPr/>
         </p:nvSpPr>
         <p:spPr>
           <a:xfrm>
-            <a:off x="2270088" y="2986175"/>
+            <a:off x="2421063" y="2957332"/>
             <a:ext cx="810300" cy="246900"/>
           </a:xfrm>
           <a:prstGeom prst="rect">
@@ -7509,7 +7391,7 @@
       </p:sp>
       <p:pic>
         <p:nvPicPr>
-          <p:cNvPr id="103" name="Google Shape;103;p13"/>
+          <p:cNvPr id="98" name="Google Shape;98;p13"/>
           <p:cNvPicPr preferRelativeResize="0"/>
           <p:nvPr/>
         </p:nvPicPr>
@@ -7523,7 +7405,7 @@
         </p:blipFill>
         <p:spPr>
           <a:xfrm>
-            <a:off x="1971413" y="2390113"/>
+            <a:off x="2122388" y="2361269"/>
             <a:ext cx="381000" cy="381000"/>
           </a:xfrm>
           <a:prstGeom prst="rect">
@@ -7537,7 +7419,7 @@
       </p:pic>
       <p:pic>
         <p:nvPicPr>
-          <p:cNvPr id="104" name="Google Shape;104;p13"/>
+          <p:cNvPr id="99" name="Google Shape;99;p13"/>
           <p:cNvPicPr preferRelativeResize="0"/>
           <p:nvPr/>
         </p:nvPicPr>
@@ -7551,7 +7433,7 @@
         </p:blipFill>
         <p:spPr>
           <a:xfrm>
-            <a:off x="2038463" y="2717096"/>
+            <a:off x="2189438" y="2688253"/>
             <a:ext cx="246900" cy="246900"/>
           </a:xfrm>
           <a:prstGeom prst="rect">
@@ -7565,7 +7447,7 @@
       </p:pic>
       <p:pic>
         <p:nvPicPr>
-          <p:cNvPr id="105" name="Google Shape;105;p13"/>
+          <p:cNvPr id="100" name="Google Shape;100;p13"/>
           <p:cNvPicPr preferRelativeResize="0"/>
           <p:nvPr/>
         </p:nvPicPr>
@@ -7579,7 +7461,7 @@
         </p:blipFill>
         <p:spPr>
           <a:xfrm>
-            <a:off x="2038463" y="2963996"/>
+            <a:off x="2189438" y="2935153"/>
             <a:ext cx="246900" cy="246900"/>
           </a:xfrm>
           <a:prstGeom prst="rect">
@@ -7591,67 +7473,42 @@
           </a:ln>
         </p:spPr>
       </p:pic>
-      <p:grpSp>
-        <p:nvGrpSpPr>
-          <p:cNvPr id="106" name="Google Shape;106;p13"/>
-          <p:cNvGrpSpPr/>
+      <p:sp>
+        <p:nvSpPr>
+          <p:cNvPr id="101" name="Google Shape;101;p13"/>
+          <p:cNvSpPr/>
           <p:nvPr/>
-        </p:nvGrpSpPr>
-        <p:grpSpPr>
-          <a:xfrm>
-            <a:off x="1883650" y="3290550"/>
-            <a:ext cx="1851232" cy="274125"/>
-            <a:chOff x="292875" y="219763"/>
-            <a:chExt cx="1851232" cy="274125"/>
-          </a:xfrm>
-        </p:grpSpPr>
-        <p:sp>
-          <p:nvSpPr>
-            <p:cNvPr id="107" name="Google Shape;107;p13"/>
-            <p:cNvSpPr/>
-            <p:nvPr/>
-          </p:nvSpPr>
-          <p:spPr>
-            <a:xfrm>
-              <a:off x="411607" y="233388"/>
-              <a:ext cx="1732500" cy="246900"/>
-            </a:xfrm>
-            <a:prstGeom prst="rect">
-              <a:avLst/>
-            </a:prstGeom>
+        </p:nvSpPr>
+        <p:spPr>
+          <a:xfrm>
+            <a:off x="2153357" y="3275332"/>
+            <a:ext cx="1732500" cy="246900"/>
+          </a:xfrm>
+          <a:prstGeom prst="rect">
+            <a:avLst/>
+          </a:prstGeom>
+          <a:noFill/>
+          <a:ln>
             <a:noFill/>
-            <a:ln>
-              <a:noFill/>
-            </a:ln>
-          </p:spPr>
-          <p:txBody>
-            <a:bodyPr anchorCtr="0" anchor="ctr" bIns="91425" lIns="91425" spcFirstLastPara="1" rIns="91425" wrap="square" tIns="91425">
-              <a:noAutofit/>
-            </a:bodyPr>
-            <a:lstStyle/>
-            <a:p>
-              <a:pPr indent="0" lvl="0" marL="0" rtl="0" algn="ctr">
-                <a:spcBef>
-                  <a:spcPts val="0"/>
-                </a:spcBef>
-                <a:spcAft>
-                  <a:spcPts val="0"/>
-                </a:spcAft>
-                <a:buNone/>
-              </a:pPr>
-              <a:r>
-                <a:rPr b="1" lang="en" sz="800">
-                  <a:solidFill>
-                    <a:schemeClr val="lt1"/>
-                  </a:solidFill>
-                  <a:latin typeface="Lexend"/>
-                  <a:ea typeface="Lexend"/>
-                  <a:cs typeface="Lexend"/>
-                  <a:sym typeface="Lexend"/>
-                </a:rPr>
-                <a:t>OpenAssistant-StableLM</a:t>
-              </a:r>
-              <a:endParaRPr b="1" sz="800">
+          </a:ln>
+        </p:spPr>
+        <p:txBody>
+          <a:bodyPr anchorCtr="0" anchor="ctr" bIns="91425" lIns="91425" spcFirstLastPara="1" rIns="91425" wrap="square" tIns="91425">
+            <a:noAutofit/>
+          </a:bodyPr>
+          <a:lstStyle/>
+          <a:p>
+            <a:pPr indent="0" lvl="0" marL="0" rtl="0" algn="ctr">
+              <a:spcBef>
+                <a:spcPts val="0"/>
+              </a:spcBef>
+              <a:spcAft>
+                <a:spcPts val="0"/>
+              </a:spcAft>
+              <a:buNone/>
+            </a:pPr>
+            <a:r>
+              <a:rPr b="1" lang="en" sz="800">
                 <a:solidFill>
                   <a:schemeClr val="lt1"/>
                 </a:solidFill>
@@ -7659,42 +7516,52 @@
                 <a:ea typeface="Lexend"/>
                 <a:cs typeface="Lexend"/>
                 <a:sym typeface="Lexend"/>
-              </a:endParaRPr>
-            </a:p>
-          </p:txBody>
-        </p:sp>
-        <p:pic>
-          <p:nvPicPr>
-            <p:cNvPr id="108" name="Google Shape;108;p13"/>
-            <p:cNvPicPr preferRelativeResize="0"/>
-            <p:nvPr/>
-          </p:nvPicPr>
-          <p:blipFill>
-            <a:blip r:embed="rId5">
-              <a:alphaModFix/>
-            </a:blip>
-            <a:stretch>
-              <a:fillRect/>
-            </a:stretch>
-          </p:blipFill>
-          <p:spPr>
-            <a:xfrm>
-              <a:off x="292875" y="219763"/>
-              <a:ext cx="274125" cy="274125"/>
-            </a:xfrm>
-            <a:prstGeom prst="rect">
-              <a:avLst/>
-            </a:prstGeom>
-            <a:noFill/>
-            <a:ln>
-              <a:noFill/>
-            </a:ln>
-          </p:spPr>
-        </p:pic>
-      </p:grpSp>
+              </a:rPr>
+              <a:t>OpenAssistant-StableLM</a:t>
+            </a:r>
+            <a:endParaRPr b="1" sz="800">
+              <a:solidFill>
+                <a:schemeClr val="lt1"/>
+              </a:solidFill>
+              <a:latin typeface="Lexend"/>
+              <a:ea typeface="Lexend"/>
+              <a:cs typeface="Lexend"/>
+              <a:sym typeface="Lexend"/>
+            </a:endParaRPr>
+          </a:p>
+        </p:txBody>
+      </p:sp>
       <p:pic>
         <p:nvPicPr>
-          <p:cNvPr id="109" name="Google Shape;109;p13"/>
+          <p:cNvPr id="102" name="Google Shape;102;p13"/>
+          <p:cNvPicPr preferRelativeResize="0"/>
+          <p:nvPr/>
+        </p:nvPicPr>
+        <p:blipFill>
+          <a:blip r:embed="rId5">
+            <a:alphaModFix/>
+          </a:blip>
+          <a:stretch>
+            <a:fillRect/>
+          </a:stretch>
+        </p:blipFill>
+        <p:spPr>
+          <a:xfrm>
+            <a:off x="2034625" y="3261707"/>
+            <a:ext cx="274125" cy="274125"/>
+          </a:xfrm>
+          <a:prstGeom prst="rect">
+            <a:avLst/>
+          </a:prstGeom>
+          <a:noFill/>
+          <a:ln>
+            <a:noFill/>
+          </a:ln>
+        </p:spPr>
+      </p:pic>
+      <p:pic>
+        <p:nvPicPr>
+          <p:cNvPr id="103" name="Google Shape;103;p13"/>
           <p:cNvPicPr preferRelativeResize="0"/>
           <p:nvPr/>
         </p:nvPicPr>
@@ -7708,7 +7575,7 @@
         </p:blipFill>
         <p:spPr>
           <a:xfrm>
-            <a:off x="3900337" y="290625"/>
+            <a:off x="4014287" y="329025"/>
             <a:ext cx="361414" cy="381000"/>
           </a:xfrm>
           <a:prstGeom prst="rect">
@@ -7722,13 +7589,13 @@
       </p:pic>
       <p:sp>
         <p:nvSpPr>
-          <p:cNvPr id="110" name="Google Shape;110;p13"/>
+          <p:cNvPr id="104" name="Google Shape;104;p13"/>
           <p:cNvSpPr/>
           <p:nvPr/>
         </p:nvSpPr>
         <p:spPr>
           <a:xfrm>
-            <a:off x="4276175" y="290625"/>
+            <a:off x="4390125" y="329025"/>
             <a:ext cx="1114200" cy="381000"/>
           </a:xfrm>
           <a:prstGeom prst="rect">
@@ -7780,7 +7647,7 @@
       </p:sp>
       <p:pic>
         <p:nvPicPr>
-          <p:cNvPr id="111" name="Google Shape;111;p13"/>
+          <p:cNvPr id="105" name="Google Shape;105;p13"/>
           <p:cNvPicPr preferRelativeResize="0"/>
           <p:nvPr/>
         </p:nvPicPr>
@@ -7794,7 +7661,7 @@
         </p:blipFill>
         <p:spPr>
           <a:xfrm>
-            <a:off x="3969958" y="1017163"/>
+            <a:off x="4083908" y="1055563"/>
             <a:ext cx="234208" cy="246900"/>
           </a:xfrm>
           <a:prstGeom prst="rect">
@@ -7808,13 +7675,13 @@
       </p:pic>
       <p:sp>
         <p:nvSpPr>
-          <p:cNvPr id="112" name="Google Shape;112;p13"/>
+          <p:cNvPr id="106" name="Google Shape;106;p13"/>
           <p:cNvSpPr/>
           <p:nvPr/>
         </p:nvSpPr>
         <p:spPr>
           <a:xfrm>
-            <a:off x="4204175" y="1017175"/>
+            <a:off x="4320275" y="1055575"/>
             <a:ext cx="948900" cy="246900"/>
           </a:xfrm>
           <a:prstGeom prst="rect">
@@ -7864,67 +7731,42 @@
           </a:p>
         </p:txBody>
       </p:sp>
-      <p:grpSp>
-        <p:nvGrpSpPr>
-          <p:cNvPr id="113" name="Google Shape;113;p13"/>
-          <p:cNvGrpSpPr/>
+      <p:sp>
+        <p:nvSpPr>
+          <p:cNvPr id="107" name="Google Shape;107;p13"/>
+          <p:cNvSpPr/>
           <p:nvPr/>
-        </p:nvGrpSpPr>
-        <p:grpSpPr>
-          <a:xfrm>
-            <a:off x="3969945" y="1516150"/>
-            <a:ext cx="1264010" cy="246900"/>
-            <a:chOff x="-1291212" y="2044025"/>
-            <a:chExt cx="1332501" cy="246900"/>
-          </a:xfrm>
-        </p:grpSpPr>
-        <p:sp>
-          <p:nvSpPr>
-            <p:cNvPr id="114" name="Google Shape;114;p13"/>
-            <p:cNvSpPr/>
-            <p:nvPr/>
-          </p:nvSpPr>
-          <p:spPr>
-            <a:xfrm>
-              <a:off x="-1133212" y="2044025"/>
-              <a:ext cx="1174500" cy="246900"/>
-            </a:xfrm>
-            <a:prstGeom prst="rect">
-              <a:avLst/>
-            </a:prstGeom>
+        </p:nvSpPr>
+        <p:spPr>
+          <a:xfrm>
+            <a:off x="4319874" y="1538613"/>
+            <a:ext cx="1114200" cy="246900"/>
+          </a:xfrm>
+          <a:prstGeom prst="rect">
+            <a:avLst/>
+          </a:prstGeom>
+          <a:noFill/>
+          <a:ln>
             <a:noFill/>
-            <a:ln>
-              <a:noFill/>
-            </a:ln>
-          </p:spPr>
-          <p:txBody>
-            <a:bodyPr anchorCtr="0" anchor="ctr" bIns="91425" lIns="91425" spcFirstLastPara="1" rIns="91425" wrap="square" tIns="91425">
-              <a:noAutofit/>
-            </a:bodyPr>
-            <a:lstStyle/>
-            <a:p>
-              <a:pPr indent="0" lvl="0" marL="0" rtl="0" algn="ctr">
-                <a:spcBef>
-                  <a:spcPts val="0"/>
-                </a:spcBef>
-                <a:spcAft>
-                  <a:spcPts val="0"/>
-                </a:spcAft>
-                <a:buNone/>
-              </a:pPr>
-              <a:r>
-                <a:rPr b="1" lang="en" sz="800">
-                  <a:solidFill>
-                    <a:schemeClr val="lt1"/>
-                  </a:solidFill>
-                  <a:latin typeface="Lexend"/>
-                  <a:ea typeface="Lexend"/>
-                  <a:cs typeface="Lexend"/>
-                  <a:sym typeface="Lexend"/>
-                </a:rPr>
-                <a:t>WizardCoder-15B</a:t>
-              </a:r>
-              <a:endParaRPr b="1" sz="800">
+          </a:ln>
+        </p:spPr>
+        <p:txBody>
+          <a:bodyPr anchorCtr="0" anchor="ctr" bIns="91425" lIns="91425" spcFirstLastPara="1" rIns="91425" wrap="square" tIns="91425">
+            <a:noAutofit/>
+          </a:bodyPr>
+          <a:lstStyle/>
+          <a:p>
+            <a:pPr indent="0" lvl="0" marL="0" rtl="0" algn="ctr">
+              <a:spcBef>
+                <a:spcPts val="0"/>
+              </a:spcBef>
+              <a:spcAft>
+                <a:spcPts val="0"/>
+              </a:spcAft>
+              <a:buNone/>
+            </a:pPr>
+            <a:r>
+              <a:rPr b="1" lang="en" sz="800">
                 <a:solidFill>
                   <a:schemeClr val="lt1"/>
                 </a:solidFill>
@@ -7932,49 +7774,59 @@
                 <a:ea typeface="Lexend"/>
                 <a:cs typeface="Lexend"/>
                 <a:sym typeface="Lexend"/>
-              </a:endParaRPr>
-            </a:p>
-          </p:txBody>
-        </p:sp>
-        <p:pic>
-          <p:nvPicPr>
-            <p:cNvPr id="115" name="Google Shape;115;p13"/>
-            <p:cNvPicPr preferRelativeResize="0"/>
-            <p:nvPr/>
-          </p:nvPicPr>
-          <p:blipFill>
-            <a:blip r:embed="rId7">
-              <a:alphaModFix/>
-            </a:blip>
-            <a:stretch>
-              <a:fillRect/>
-            </a:stretch>
-          </p:blipFill>
-          <p:spPr>
-            <a:xfrm>
-              <a:off x="-1291212" y="2061263"/>
-              <a:ext cx="212425" cy="212425"/>
-            </a:xfrm>
-            <a:prstGeom prst="rect">
-              <a:avLst/>
-            </a:prstGeom>
+              </a:rPr>
+              <a:t>WizardCoder-15B</a:t>
+            </a:r>
+            <a:endParaRPr b="1" sz="800">
+              <a:solidFill>
+                <a:schemeClr val="lt1"/>
+              </a:solidFill>
+              <a:latin typeface="Lexend"/>
+              <a:ea typeface="Lexend"/>
+              <a:cs typeface="Lexend"/>
+              <a:sym typeface="Lexend"/>
+            </a:endParaRPr>
+          </a:p>
+        </p:txBody>
+      </p:sp>
+      <p:pic>
+        <p:nvPicPr>
+          <p:cNvPr id="108" name="Google Shape;108;p13"/>
+          <p:cNvPicPr preferRelativeResize="0"/>
+          <p:nvPr/>
+        </p:nvPicPr>
+        <p:blipFill>
+          <a:blip r:embed="rId7">
+            <a:alphaModFix/>
+          </a:blip>
+          <a:stretch>
+            <a:fillRect/>
+          </a:stretch>
+        </p:blipFill>
+        <p:spPr>
+          <a:xfrm>
+            <a:off x="4083900" y="1538600"/>
+            <a:ext cx="234225" cy="246925"/>
+          </a:xfrm>
+          <a:prstGeom prst="rect">
+            <a:avLst/>
+          </a:prstGeom>
+          <a:noFill/>
+          <a:ln>
             <a:noFill/>
-            <a:ln>
-              <a:noFill/>
-            </a:ln>
-          </p:spPr>
-        </p:pic>
-      </p:grpSp>
+          </a:ln>
+        </p:spPr>
+      </p:pic>
       <p:sp>
         <p:nvSpPr>
-          <p:cNvPr id="116" name="Google Shape;116;p13"/>
+          <p:cNvPr id="109" name="Google Shape;109;p13"/>
           <p:cNvSpPr/>
           <p:nvPr/>
         </p:nvSpPr>
         <p:spPr>
           <a:xfrm>
-            <a:off x="3754525" y="2300575"/>
-            <a:ext cx="1652400" cy="1362900"/>
+            <a:off x="3895950" y="2287619"/>
+            <a:ext cx="1697100" cy="1380600"/>
           </a:xfrm>
           <a:prstGeom prst="rect">
             <a:avLst/>
@@ -8017,7 +7869,7 @@
       </p:sp>
       <p:pic>
         <p:nvPicPr>
-          <p:cNvPr id="117" name="Google Shape;117;p13"/>
+          <p:cNvPr id="110" name="Google Shape;110;p13"/>
           <p:cNvPicPr preferRelativeResize="0"/>
           <p:nvPr/>
         </p:nvPicPr>
@@ -8031,7 +7883,7 @@
         </p:blipFill>
         <p:spPr>
           <a:xfrm>
-            <a:off x="3835625" y="2386050"/>
+            <a:off x="3975100" y="2390819"/>
             <a:ext cx="381000" cy="381000"/>
           </a:xfrm>
           <a:prstGeom prst="rect">
@@ -8045,13 +7897,13 @@
       </p:pic>
       <p:sp>
         <p:nvSpPr>
-          <p:cNvPr id="118" name="Google Shape;118;p13"/>
+          <p:cNvPr id="111" name="Google Shape;111;p13"/>
           <p:cNvSpPr/>
           <p:nvPr/>
         </p:nvSpPr>
         <p:spPr>
           <a:xfrm>
-            <a:off x="4218325" y="2386050"/>
+            <a:off x="4357800" y="2390819"/>
             <a:ext cx="810300" cy="381000"/>
           </a:xfrm>
           <a:prstGeom prst="rect">
@@ -8103,7 +7955,7 @@
       </p:sp>
       <p:pic>
         <p:nvPicPr>
-          <p:cNvPr id="119" name="Google Shape;119;p13"/>
+          <p:cNvPr id="112" name="Google Shape;112;p13"/>
           <p:cNvPicPr preferRelativeResize="0"/>
           <p:nvPr/>
         </p:nvPicPr>
@@ -8117,7 +7969,7 @@
         </p:blipFill>
         <p:spPr>
           <a:xfrm>
-            <a:off x="3891325" y="2858575"/>
+            <a:off x="4030800" y="2863344"/>
             <a:ext cx="246900" cy="246900"/>
           </a:xfrm>
           <a:prstGeom prst="rect">
@@ -8131,13 +7983,13 @@
       </p:pic>
       <p:sp>
         <p:nvSpPr>
-          <p:cNvPr id="120" name="Google Shape;120;p13"/>
+          <p:cNvPr id="113" name="Google Shape;113;p13"/>
           <p:cNvSpPr/>
           <p:nvPr/>
         </p:nvSpPr>
         <p:spPr>
           <a:xfrm>
-            <a:off x="4216625" y="2863150"/>
+            <a:off x="4356100" y="2867919"/>
             <a:ext cx="1114200" cy="246900"/>
           </a:xfrm>
           <a:prstGeom prst="rect">
@@ -8187,67 +8039,42 @@
           </a:p>
         </p:txBody>
       </p:sp>
-      <p:grpSp>
-        <p:nvGrpSpPr>
-          <p:cNvPr id="121" name="Google Shape;121;p13"/>
-          <p:cNvGrpSpPr/>
+      <p:sp>
+        <p:nvSpPr>
+          <p:cNvPr id="114" name="Google Shape;114;p13"/>
+          <p:cNvSpPr/>
           <p:nvPr/>
-        </p:nvGrpSpPr>
-        <p:grpSpPr>
-          <a:xfrm>
-            <a:off x="3891325" y="3206150"/>
-            <a:ext cx="1515526" cy="274125"/>
-            <a:chOff x="292875" y="219763"/>
-            <a:chExt cx="1515526" cy="274125"/>
-          </a:xfrm>
-        </p:grpSpPr>
-        <p:sp>
-          <p:nvSpPr>
-            <p:cNvPr id="122" name="Google Shape;122;p13"/>
-            <p:cNvSpPr/>
-            <p:nvPr/>
-          </p:nvSpPr>
-          <p:spPr>
-            <a:xfrm>
-              <a:off x="411601" y="233388"/>
-              <a:ext cx="1396800" cy="246900"/>
-            </a:xfrm>
-            <a:prstGeom prst="rect">
-              <a:avLst/>
-            </a:prstGeom>
+        </p:nvSpPr>
+        <p:spPr>
+          <a:xfrm>
+            <a:off x="4149526" y="3224544"/>
+            <a:ext cx="1396800" cy="246900"/>
+          </a:xfrm>
+          <a:prstGeom prst="rect">
+            <a:avLst/>
+          </a:prstGeom>
+          <a:noFill/>
+          <a:ln>
             <a:noFill/>
-            <a:ln>
-              <a:noFill/>
-            </a:ln>
-          </p:spPr>
-          <p:txBody>
-            <a:bodyPr anchorCtr="0" anchor="ctr" bIns="91425" lIns="91425" spcFirstLastPara="1" rIns="91425" wrap="square" tIns="91425">
-              <a:noAutofit/>
-            </a:bodyPr>
-            <a:lstStyle/>
-            <a:p>
-              <a:pPr indent="0" lvl="0" marL="0" rtl="0" algn="ctr">
-                <a:spcBef>
-                  <a:spcPts val="0"/>
-                </a:spcBef>
-                <a:spcAft>
-                  <a:spcPts val="0"/>
-                </a:spcAft>
-                <a:buNone/>
-              </a:pPr>
-              <a:r>
-                <a:rPr b="1" lang="en" sz="800">
-                  <a:solidFill>
-                    <a:schemeClr val="lt1"/>
-                  </a:solidFill>
-                  <a:latin typeface="Lexend"/>
-                  <a:ea typeface="Lexend"/>
-                  <a:cs typeface="Lexend"/>
-                  <a:sym typeface="Lexend"/>
-                </a:rPr>
-                <a:t>OpenAssistant-Pythia</a:t>
-              </a:r>
-              <a:endParaRPr b="1" sz="800">
+          </a:ln>
+        </p:spPr>
+        <p:txBody>
+          <a:bodyPr anchorCtr="0" anchor="ctr" bIns="91425" lIns="91425" spcFirstLastPara="1" rIns="91425" wrap="square" tIns="91425">
+            <a:noAutofit/>
+          </a:bodyPr>
+          <a:lstStyle/>
+          <a:p>
+            <a:pPr indent="0" lvl="0" marL="0" rtl="0" algn="ctr">
+              <a:spcBef>
+                <a:spcPts val="0"/>
+              </a:spcBef>
+              <a:spcAft>
+                <a:spcPts val="0"/>
+              </a:spcAft>
+              <a:buNone/>
+            </a:pPr>
+            <a:r>
+              <a:rPr b="1" lang="en" sz="800">
                 <a:solidFill>
                   <a:schemeClr val="lt1"/>
                 </a:solidFill>
@@ -8255,49 +8082,59 @@
                 <a:ea typeface="Lexend"/>
                 <a:cs typeface="Lexend"/>
                 <a:sym typeface="Lexend"/>
-              </a:endParaRPr>
-            </a:p>
-          </p:txBody>
-        </p:sp>
-        <p:pic>
-          <p:nvPicPr>
-            <p:cNvPr id="123" name="Google Shape;123;p13"/>
-            <p:cNvPicPr preferRelativeResize="0"/>
-            <p:nvPr/>
-          </p:nvPicPr>
-          <p:blipFill>
-            <a:blip r:embed="rId5">
-              <a:alphaModFix/>
-            </a:blip>
-            <a:stretch>
-              <a:fillRect/>
-            </a:stretch>
-          </p:blipFill>
-          <p:spPr>
-            <a:xfrm>
-              <a:off x="292875" y="219763"/>
-              <a:ext cx="274125" cy="274125"/>
-            </a:xfrm>
-            <a:prstGeom prst="rect">
-              <a:avLst/>
-            </a:prstGeom>
+              </a:rPr>
+              <a:t>OpenAssistant-Pythia</a:t>
+            </a:r>
+            <a:endParaRPr b="1" sz="800">
+              <a:solidFill>
+                <a:schemeClr val="lt1"/>
+              </a:solidFill>
+              <a:latin typeface="Lexend"/>
+              <a:ea typeface="Lexend"/>
+              <a:cs typeface="Lexend"/>
+              <a:sym typeface="Lexend"/>
+            </a:endParaRPr>
+          </a:p>
+        </p:txBody>
+      </p:sp>
+      <p:pic>
+        <p:nvPicPr>
+          <p:cNvPr id="115" name="Google Shape;115;p13"/>
+          <p:cNvPicPr preferRelativeResize="0"/>
+          <p:nvPr/>
+        </p:nvPicPr>
+        <p:blipFill>
+          <a:blip r:embed="rId5">
+            <a:alphaModFix/>
+          </a:blip>
+          <a:stretch>
+            <a:fillRect/>
+          </a:stretch>
+        </p:blipFill>
+        <p:spPr>
+          <a:xfrm>
+            <a:off x="4030800" y="3210919"/>
+            <a:ext cx="274125" cy="274125"/>
+          </a:xfrm>
+          <a:prstGeom prst="rect">
+            <a:avLst/>
+          </a:prstGeom>
+          <a:noFill/>
+          <a:ln>
             <a:noFill/>
-            <a:ln>
-              <a:noFill/>
-            </a:ln>
-          </p:spPr>
-        </p:pic>
-      </p:grpSp>
+          </a:ln>
+        </p:spPr>
+      </p:pic>
       <p:sp>
         <p:nvSpPr>
-          <p:cNvPr id="124" name="Google Shape;124;p13"/>
+          <p:cNvPr id="116" name="Google Shape;116;p13"/>
           <p:cNvSpPr/>
           <p:nvPr/>
         </p:nvSpPr>
         <p:spPr>
           <a:xfrm>
-            <a:off x="5607225" y="161525"/>
-            <a:ext cx="3087300" cy="2824500"/>
+            <a:off x="5698423" y="208800"/>
+            <a:ext cx="3087300" cy="2908500"/>
           </a:xfrm>
           <a:prstGeom prst="rect">
             <a:avLst/>
@@ -8341,13 +8178,13 @@
       </p:sp>
       <p:sp>
         <p:nvSpPr>
-          <p:cNvPr id="125" name="Google Shape;125;p13"/>
+          <p:cNvPr id="117" name="Google Shape;117;p13"/>
           <p:cNvSpPr/>
           <p:nvPr/>
         </p:nvSpPr>
         <p:spPr>
           <a:xfrm>
-            <a:off x="6235909" y="340373"/>
+            <a:off x="6250909" y="385773"/>
             <a:ext cx="1353300" cy="408300"/>
           </a:xfrm>
           <a:prstGeom prst="rect">
@@ -8399,7 +8236,7 @@
       </p:sp>
       <p:pic>
         <p:nvPicPr>
-          <p:cNvPr id="126" name="Google Shape;126;p13"/>
+          <p:cNvPr id="118" name="Google Shape;118;p13"/>
           <p:cNvPicPr preferRelativeResize="0"/>
           <p:nvPr/>
         </p:nvPicPr>
@@ -8413,8 +8250,8 @@
         </p:blipFill>
         <p:spPr>
           <a:xfrm>
-            <a:off x="5707676" y="940296"/>
-            <a:ext cx="323462" cy="264591"/>
+            <a:off x="5769251" y="993072"/>
+            <a:ext cx="323462" cy="264592"/>
           </a:xfrm>
           <a:prstGeom prst="rect">
             <a:avLst/>
@@ -8427,13 +8264,13 @@
       </p:pic>
       <p:sp>
         <p:nvSpPr>
-          <p:cNvPr id="127" name="Google Shape;127;p13"/>
+          <p:cNvPr id="119" name="Google Shape;119;p13"/>
           <p:cNvSpPr/>
           <p:nvPr/>
         </p:nvSpPr>
         <p:spPr>
           <a:xfrm>
-            <a:off x="6031138" y="940296"/>
+            <a:off x="6092713" y="993072"/>
             <a:ext cx="935100" cy="264600"/>
           </a:xfrm>
           <a:prstGeom prst="rect">
@@ -8485,14 +8322,14 @@
       </p:sp>
       <p:sp>
         <p:nvSpPr>
-          <p:cNvPr id="128" name="Google Shape;128;p13"/>
+          <p:cNvPr id="120" name="Google Shape;120;p13"/>
           <p:cNvSpPr/>
           <p:nvPr/>
         </p:nvSpPr>
         <p:spPr>
           <a:xfrm>
-            <a:off x="3145724" y="3915725"/>
-            <a:ext cx="1307400" cy="1013400"/>
+            <a:off x="3090250" y="3765850"/>
+            <a:ext cx="1214700" cy="1024800"/>
           </a:xfrm>
           <a:prstGeom prst="rect">
             <a:avLst/>
@@ -8535,13 +8372,13 @@
       </p:sp>
       <p:sp>
         <p:nvSpPr>
-          <p:cNvPr id="129" name="Google Shape;129;p13"/>
+          <p:cNvPr id="121" name="Google Shape;121;p13"/>
           <p:cNvSpPr/>
           <p:nvPr/>
         </p:nvSpPr>
         <p:spPr>
           <a:xfrm>
-            <a:off x="3642815" y="4036075"/>
+            <a:off x="3534852" y="3897656"/>
             <a:ext cx="810300" cy="381000"/>
           </a:xfrm>
           <a:prstGeom prst="rect">
@@ -8593,13 +8430,13 @@
       </p:sp>
       <p:sp>
         <p:nvSpPr>
-          <p:cNvPr id="130" name="Google Shape;130;p13"/>
+          <p:cNvPr id="122" name="Google Shape;122;p13"/>
           <p:cNvSpPr/>
           <p:nvPr/>
         </p:nvSpPr>
         <p:spPr>
           <a:xfrm>
-            <a:off x="3570150" y="4561475"/>
+            <a:off x="3469688" y="4423056"/>
             <a:ext cx="581100" cy="246900"/>
           </a:xfrm>
           <a:prstGeom prst="rect">
@@ -8651,7 +8488,7 @@
       </p:sp>
       <p:pic>
         <p:nvPicPr>
-          <p:cNvPr id="131" name="Google Shape;131;p13"/>
+          <p:cNvPr id="123" name="Google Shape;123;p13"/>
           <p:cNvPicPr preferRelativeResize="0"/>
           <p:nvPr/>
         </p:nvPicPr>
@@ -8665,7 +8502,7 @@
         </p:blipFill>
         <p:spPr>
           <a:xfrm>
-            <a:off x="3256213" y="4036075"/>
+            <a:off x="3185750" y="3897656"/>
             <a:ext cx="381000" cy="381000"/>
           </a:xfrm>
           <a:prstGeom prst="rect">
@@ -8679,7 +8516,7 @@
       </p:pic>
       <p:pic>
         <p:nvPicPr>
-          <p:cNvPr id="132" name="Google Shape;132;p13"/>
+          <p:cNvPr id="124" name="Google Shape;124;p13"/>
           <p:cNvPicPr preferRelativeResize="0"/>
           <p:nvPr/>
         </p:nvPicPr>
@@ -8693,7 +8530,7 @@
         </p:blipFill>
         <p:spPr>
           <a:xfrm>
-            <a:off x="3332413" y="4570625"/>
+            <a:off x="3261950" y="4432206"/>
             <a:ext cx="228600" cy="228600"/>
           </a:xfrm>
           <a:prstGeom prst="rect">
@@ -8707,14 +8544,14 @@
       </p:pic>
       <p:sp>
         <p:nvSpPr>
-          <p:cNvPr id="133" name="Google Shape;133;p13"/>
+          <p:cNvPr id="125" name="Google Shape;125;p13"/>
           <p:cNvSpPr/>
           <p:nvPr/>
         </p:nvSpPr>
         <p:spPr>
           <a:xfrm>
-            <a:off x="4564924" y="3937975"/>
-            <a:ext cx="1272300" cy="1013400"/>
+            <a:off x="4413150" y="3764350"/>
+            <a:ext cx="1179900" cy="1024800"/>
           </a:xfrm>
           <a:prstGeom prst="rect">
             <a:avLst/>
@@ -8757,13 +8594,13 @@
       </p:sp>
       <p:sp>
         <p:nvSpPr>
-          <p:cNvPr id="134" name="Google Shape;134;p13"/>
+          <p:cNvPr id="126" name="Google Shape;126;p13"/>
           <p:cNvSpPr/>
           <p:nvPr/>
         </p:nvSpPr>
         <p:spPr>
           <a:xfrm>
-            <a:off x="5062015" y="4058325"/>
+            <a:off x="4845015" y="3888256"/>
             <a:ext cx="810300" cy="381000"/>
           </a:xfrm>
           <a:prstGeom prst="rect">
@@ -8815,13 +8652,13 @@
       </p:sp>
       <p:sp>
         <p:nvSpPr>
-          <p:cNvPr id="135" name="Google Shape;135;p13"/>
+          <p:cNvPr id="127" name="Google Shape;127;p13"/>
           <p:cNvSpPr/>
           <p:nvPr/>
         </p:nvSpPr>
         <p:spPr>
           <a:xfrm>
-            <a:off x="4989350" y="4583725"/>
+            <a:off x="4794542" y="4413656"/>
             <a:ext cx="581100" cy="246900"/>
           </a:xfrm>
           <a:prstGeom prst="rect">
@@ -8873,7 +8710,7 @@
       </p:sp>
       <p:pic>
         <p:nvPicPr>
-          <p:cNvPr id="136" name="Google Shape;136;p13"/>
+          <p:cNvPr id="128" name="Google Shape;128;p13"/>
           <p:cNvPicPr preferRelativeResize="0"/>
           <p:nvPr/>
         </p:nvPicPr>
@@ -8887,7 +8724,7 @@
         </p:blipFill>
         <p:spPr>
           <a:xfrm>
-            <a:off x="4750513" y="4580726"/>
+            <a:off x="4552650" y="4413657"/>
             <a:ext cx="228600" cy="218324"/>
           </a:xfrm>
           <a:prstGeom prst="rect">
@@ -8901,7 +8738,7 @@
       </p:pic>
       <p:pic>
         <p:nvPicPr>
-          <p:cNvPr id="137" name="Google Shape;137;p13"/>
+          <p:cNvPr id="129" name="Google Shape;129;p13"/>
           <p:cNvPicPr preferRelativeResize="0"/>
           <p:nvPr/>
         </p:nvPicPr>
@@ -8915,7 +8752,7 @@
         </p:blipFill>
         <p:spPr>
           <a:xfrm>
-            <a:off x="4706325" y="4066902"/>
+            <a:off x="4476462" y="3900482"/>
             <a:ext cx="381000" cy="363835"/>
           </a:xfrm>
           <a:prstGeom prst="rect">
@@ -8929,13 +8766,13 @@
       </p:pic>
       <p:sp>
         <p:nvSpPr>
-          <p:cNvPr id="138" name="Google Shape;138;p13"/>
+          <p:cNvPr id="130" name="Google Shape;130;p13"/>
           <p:cNvSpPr/>
           <p:nvPr/>
         </p:nvSpPr>
         <p:spPr>
           <a:xfrm>
-            <a:off x="6010798" y="1342950"/>
+            <a:off x="6092722" y="1399275"/>
             <a:ext cx="1243200" cy="264600"/>
           </a:xfrm>
           <a:prstGeom prst="rect">
@@ -8987,13 +8824,13 @@
       </p:sp>
       <p:sp>
         <p:nvSpPr>
-          <p:cNvPr id="139" name="Google Shape;139;p13"/>
+          <p:cNvPr id="131" name="Google Shape;131;p13"/>
           <p:cNvSpPr/>
           <p:nvPr/>
         </p:nvSpPr>
         <p:spPr>
           <a:xfrm>
-            <a:off x="7308206" y="1731503"/>
+            <a:off x="7420005" y="1810679"/>
             <a:ext cx="1459800" cy="264600"/>
           </a:xfrm>
           <a:prstGeom prst="rect">
@@ -9045,7 +8882,7 @@
       </p:sp>
       <p:pic>
         <p:nvPicPr>
-          <p:cNvPr id="140" name="Google Shape;140;p13"/>
+          <p:cNvPr id="132" name="Google Shape;132;p13"/>
           <p:cNvPicPr preferRelativeResize="0"/>
           <p:nvPr/>
         </p:nvPicPr>
@@ -9059,7 +8896,7 @@
         </p:blipFill>
         <p:spPr>
           <a:xfrm>
-            <a:off x="5678050" y="1738250"/>
+            <a:off x="5769249" y="1783651"/>
             <a:ext cx="323475" cy="323475"/>
           </a:xfrm>
           <a:prstGeom prst="rect">
@@ -9073,13 +8910,13 @@
       </p:pic>
       <p:sp>
         <p:nvSpPr>
-          <p:cNvPr id="141" name="Google Shape;141;p13"/>
+          <p:cNvPr id="133" name="Google Shape;133;p13"/>
           <p:cNvSpPr/>
           <p:nvPr/>
         </p:nvSpPr>
         <p:spPr>
           <a:xfrm>
-            <a:off x="6076804" y="1767700"/>
+            <a:off x="6092722" y="1813088"/>
             <a:ext cx="508200" cy="264600"/>
           </a:xfrm>
           <a:prstGeom prst="rect">
@@ -9131,13 +8968,13 @@
       </p:sp>
       <p:sp>
         <p:nvSpPr>
-          <p:cNvPr id="142" name="Google Shape;142;p13"/>
+          <p:cNvPr id="134" name="Google Shape;134;p13"/>
           <p:cNvSpPr/>
           <p:nvPr/>
         </p:nvSpPr>
         <p:spPr>
           <a:xfrm>
-            <a:off x="7254000" y="913525"/>
+            <a:off x="7419992" y="993076"/>
             <a:ext cx="861600" cy="264600"/>
           </a:xfrm>
           <a:prstGeom prst="rect">
@@ -9189,35 +9026,7 @@
       </p:sp>
       <p:pic>
         <p:nvPicPr>
-          <p:cNvPr id="143" name="Google Shape;143;p13"/>
-          <p:cNvPicPr preferRelativeResize="0"/>
-          <p:nvPr/>
-        </p:nvPicPr>
-        <p:blipFill>
-          <a:blip r:embed="rId3">
-            <a:alphaModFix/>
-          </a:blip>
-          <a:stretch>
-            <a:fillRect/>
-          </a:stretch>
-        </p:blipFill>
-        <p:spPr>
-          <a:xfrm>
-            <a:off x="6966243" y="998172"/>
-            <a:ext cx="323476" cy="148847"/>
-          </a:xfrm>
-          <a:prstGeom prst="rect">
-            <a:avLst/>
-          </a:prstGeom>
-          <a:noFill/>
-          <a:ln>
-            <a:noFill/>
-          </a:ln>
-        </p:spPr>
-      </p:pic>
-      <p:pic>
-        <p:nvPicPr>
-          <p:cNvPr id="144" name="Google Shape;144;p13"/>
+          <p:cNvPr id="135" name="Google Shape;135;p13"/>
           <p:cNvPicPr preferRelativeResize="0"/>
           <p:nvPr/>
         </p:nvPicPr>
@@ -9231,7 +9040,7 @@
         </p:blipFill>
         <p:spPr>
           <a:xfrm>
-            <a:off x="7005075" y="1284225"/>
+            <a:off x="7080324" y="1358926"/>
             <a:ext cx="323475" cy="323475"/>
           </a:xfrm>
           <a:prstGeom prst="rect">
@@ -9252,13 +9061,13 @@
       </p:pic>
       <p:sp>
         <p:nvSpPr>
-          <p:cNvPr id="145" name="Google Shape;145;p13"/>
+          <p:cNvPr id="136" name="Google Shape;136;p13"/>
           <p:cNvSpPr/>
           <p:nvPr/>
         </p:nvSpPr>
         <p:spPr>
           <a:xfrm>
-            <a:off x="7359125" y="1313663"/>
+            <a:off x="7419992" y="1399276"/>
             <a:ext cx="581100" cy="264600"/>
           </a:xfrm>
           <a:prstGeom prst="rect">
@@ -9310,22 +9119,21 @@
       </p:sp>
       <p:pic>
         <p:nvPicPr>
-          <p:cNvPr id="146" name="Google Shape;146;p13"/>
+          <p:cNvPr id="137" name="Google Shape;137;p13"/>
           <p:cNvPicPr preferRelativeResize="0"/>
           <p:nvPr/>
         </p:nvPicPr>
-        <p:blipFill>
+        <p:blipFill rotWithShape="1">
           <a:blip r:embed="rId25">
             <a:alphaModFix/>
           </a:blip>
-          <a:stretch>
-            <a:fillRect/>
-          </a:stretch>
+          <a:srcRect b="3181" l="2492" r="5205" t="4592"/>
+          <a:stretch/>
         </p:blipFill>
         <p:spPr>
           <a:xfrm>
-            <a:off x="5707675" y="1313513"/>
-            <a:ext cx="323475" cy="323475"/>
+            <a:off x="7080337" y="1783796"/>
+            <a:ext cx="323475" cy="323204"/>
           </a:xfrm>
           <a:prstGeom prst="rect">
             <a:avLst/>
@@ -9336,24 +9144,16 @@
           </a:ln>
         </p:spPr>
       </p:pic>
-      <p:pic>
-        <p:nvPicPr>
-          <p:cNvPr id="147" name="Google Shape;147;p13"/>
-          <p:cNvPicPr preferRelativeResize="0"/>
+      <p:sp>
+        <p:nvSpPr>
+          <p:cNvPr id="138" name="Google Shape;138;p13"/>
+          <p:cNvSpPr/>
           <p:nvPr/>
-        </p:nvPicPr>
-        <p:blipFill>
-          <a:blip r:embed="rId25">
-            <a:alphaModFix/>
-          </a:blip>
-          <a:stretch>
-            <a:fillRect/>
-          </a:stretch>
-        </p:blipFill>
-        <p:spPr>
-          <a:xfrm>
-            <a:off x="7005075" y="1724850"/>
-            <a:ext cx="323475" cy="323475"/>
+        </p:nvSpPr>
+        <p:spPr>
+          <a:xfrm>
+            <a:off x="7420007" y="2230626"/>
+            <a:ext cx="1732500" cy="246900"/>
           </a:xfrm>
           <a:prstGeom prst="rect">
             <a:avLst/>
@@ -9363,68 +9163,23 @@
             <a:noFill/>
           </a:ln>
         </p:spPr>
-      </p:pic>
-      <p:grpSp>
-        <p:nvGrpSpPr>
-          <p:cNvPr id="148" name="Google Shape;148;p13"/>
-          <p:cNvGrpSpPr/>
-          <p:nvPr/>
-        </p:nvGrpSpPr>
-        <p:grpSpPr>
-          <a:xfrm>
-            <a:off x="7005075" y="2165463"/>
-            <a:ext cx="1775032" cy="274125"/>
-            <a:chOff x="1210775" y="-47712"/>
-            <a:chExt cx="1775032" cy="274125"/>
-          </a:xfrm>
-        </p:grpSpPr>
-        <p:sp>
-          <p:nvSpPr>
-            <p:cNvPr id="149" name="Google Shape;149;p13"/>
-            <p:cNvSpPr/>
-            <p:nvPr/>
-          </p:nvSpPr>
-          <p:spPr>
-            <a:xfrm>
-              <a:off x="1253307" y="-34087"/>
-              <a:ext cx="1732500" cy="246900"/>
-            </a:xfrm>
-            <a:prstGeom prst="rect">
-              <a:avLst/>
-            </a:prstGeom>
-            <a:noFill/>
-            <a:ln>
-              <a:noFill/>
-            </a:ln>
-          </p:spPr>
-          <p:txBody>
-            <a:bodyPr anchorCtr="0" anchor="ctr" bIns="91425" lIns="91425" spcFirstLastPara="1" rIns="91425" wrap="square" tIns="91425">
-              <a:noAutofit/>
-            </a:bodyPr>
-            <a:lstStyle/>
-            <a:p>
-              <a:pPr indent="0" lvl="0" marL="0" rtl="0" algn="ctr">
-                <a:spcBef>
-                  <a:spcPts val="0"/>
-                </a:spcBef>
-                <a:spcAft>
-                  <a:spcPts val="0"/>
-                </a:spcAft>
-                <a:buNone/>
-              </a:pPr>
-              <a:r>
-                <a:rPr b="1" lang="en" sz="800">
-                  <a:solidFill>
-                    <a:schemeClr val="lt1"/>
-                  </a:solidFill>
-                  <a:latin typeface="Lexend"/>
-                  <a:ea typeface="Lexend"/>
-                  <a:cs typeface="Lexend"/>
-                  <a:sym typeface="Lexend"/>
-                </a:rPr>
-                <a:t>OpenAssistant-Llama2</a:t>
-              </a:r>
-              <a:endParaRPr b="1" sz="800">
+        <p:txBody>
+          <a:bodyPr anchorCtr="0" anchor="ctr" bIns="91425" lIns="91425" spcFirstLastPara="1" rIns="91425" wrap="square" tIns="91425">
+            <a:noAutofit/>
+          </a:bodyPr>
+          <a:lstStyle/>
+          <a:p>
+            <a:pPr indent="0" lvl="0" marL="0" rtl="0" algn="l">
+              <a:spcBef>
+                <a:spcPts val="0"/>
+              </a:spcBef>
+              <a:spcAft>
+                <a:spcPts val="0"/>
+              </a:spcAft>
+              <a:buNone/>
+            </a:pPr>
+            <a:r>
+              <a:rPr b="1" lang="en" sz="800">
                 <a:solidFill>
                   <a:schemeClr val="lt1"/>
                 </a:solidFill>
@@ -9432,48 +9187,58 @@
                 <a:ea typeface="Lexend"/>
                 <a:cs typeface="Lexend"/>
                 <a:sym typeface="Lexend"/>
-              </a:endParaRPr>
-            </a:p>
-          </p:txBody>
-        </p:sp>
-        <p:pic>
-          <p:nvPicPr>
-            <p:cNvPr id="150" name="Google Shape;150;p13"/>
-            <p:cNvPicPr preferRelativeResize="0"/>
-            <p:nvPr/>
-          </p:nvPicPr>
-          <p:blipFill>
-            <a:blip r:embed="rId5">
-              <a:alphaModFix/>
-            </a:blip>
-            <a:stretch>
-              <a:fillRect/>
-            </a:stretch>
-          </p:blipFill>
-          <p:spPr>
-            <a:xfrm>
-              <a:off x="1210775" y="-47712"/>
-              <a:ext cx="274125" cy="274125"/>
-            </a:xfrm>
-            <a:prstGeom prst="rect">
-              <a:avLst/>
-            </a:prstGeom>
+              </a:rPr>
+              <a:t>OpenAssistant-Llama2</a:t>
+            </a:r>
+            <a:endParaRPr b="1" sz="800">
+              <a:solidFill>
+                <a:schemeClr val="lt1"/>
+              </a:solidFill>
+              <a:latin typeface="Lexend"/>
+              <a:ea typeface="Lexend"/>
+              <a:cs typeface="Lexend"/>
+              <a:sym typeface="Lexend"/>
+            </a:endParaRPr>
+          </a:p>
+        </p:txBody>
+      </p:sp>
+      <p:pic>
+        <p:nvPicPr>
+          <p:cNvPr id="139" name="Google Shape;139;p13"/>
+          <p:cNvPicPr preferRelativeResize="0"/>
+          <p:nvPr/>
+        </p:nvPicPr>
+        <p:blipFill>
+          <a:blip r:embed="rId5">
+            <a:alphaModFix/>
+          </a:blip>
+          <a:stretch>
+            <a:fillRect/>
+          </a:stretch>
+        </p:blipFill>
+        <p:spPr>
+          <a:xfrm>
+            <a:off x="7080324" y="2208403"/>
+            <a:ext cx="323475" cy="323475"/>
+          </a:xfrm>
+          <a:prstGeom prst="rect">
+            <a:avLst/>
+          </a:prstGeom>
+          <a:noFill/>
+          <a:ln>
             <a:noFill/>
-            <a:ln>
-              <a:noFill/>
-            </a:ln>
-          </p:spPr>
-        </p:pic>
-      </p:grpSp>
+          </a:ln>
+        </p:spPr>
+      </p:pic>
       <p:sp>
         <p:nvSpPr>
-          <p:cNvPr id="151" name="Google Shape;151;p13"/>
+          <p:cNvPr id="140" name="Google Shape;140;p13"/>
           <p:cNvSpPr/>
           <p:nvPr/>
         </p:nvSpPr>
         <p:spPr>
           <a:xfrm>
-            <a:off x="6075125" y="2170250"/>
+            <a:off x="6092724" y="2237813"/>
             <a:ext cx="810300" cy="264600"/>
           </a:xfrm>
           <a:prstGeom prst="rect">
@@ -9525,7 +9290,7 @@
       </p:sp>
       <p:pic>
         <p:nvPicPr>
-          <p:cNvPr id="152" name="Google Shape;152;p13"/>
+          <p:cNvPr id="141" name="Google Shape;141;p13"/>
           <p:cNvPicPr preferRelativeResize="0"/>
           <p:nvPr/>
         </p:nvPicPr>
@@ -9539,8 +9304,8 @@
         </p:blipFill>
         <p:spPr>
           <a:xfrm>
-            <a:off x="5753325" y="2162975"/>
-            <a:ext cx="246900" cy="246900"/>
+            <a:off x="5769254" y="2208363"/>
+            <a:ext cx="323475" cy="323475"/>
           </a:xfrm>
           <a:prstGeom prst="rect">
             <a:avLst/>
@@ -9551,67 +9316,42 @@
           </a:ln>
         </p:spPr>
       </p:pic>
-      <p:grpSp>
-        <p:nvGrpSpPr>
-          <p:cNvPr id="153" name="Google Shape;153;p13"/>
-          <p:cNvGrpSpPr/>
+      <p:sp>
+        <p:nvSpPr>
+          <p:cNvPr id="142" name="Google Shape;142;p13"/>
+          <p:cNvSpPr/>
           <p:nvPr/>
-        </p:nvGrpSpPr>
-        <p:grpSpPr>
-          <a:xfrm>
-            <a:off x="5766870" y="2556750"/>
-            <a:ext cx="1011588" cy="246900"/>
-            <a:chOff x="-1291212" y="2044025"/>
-            <a:chExt cx="1066401" cy="246900"/>
-          </a:xfrm>
-        </p:grpSpPr>
-        <p:sp>
-          <p:nvSpPr>
-            <p:cNvPr id="154" name="Google Shape;154;p13"/>
-            <p:cNvSpPr/>
-            <p:nvPr/>
-          </p:nvSpPr>
-          <p:spPr>
-            <a:xfrm>
-              <a:off x="-1133211" y="2044025"/>
-              <a:ext cx="908400" cy="246900"/>
-            </a:xfrm>
-            <a:prstGeom prst="rect">
-              <a:avLst/>
-            </a:prstGeom>
+        </p:nvSpPr>
+        <p:spPr>
+          <a:xfrm>
+            <a:off x="6092724" y="2680151"/>
+            <a:ext cx="861600" cy="246900"/>
+          </a:xfrm>
+          <a:prstGeom prst="rect">
+            <a:avLst/>
+          </a:prstGeom>
+          <a:noFill/>
+          <a:ln>
             <a:noFill/>
-            <a:ln>
-              <a:noFill/>
-            </a:ln>
-          </p:spPr>
-          <p:txBody>
-            <a:bodyPr anchorCtr="0" anchor="ctr" bIns="91425" lIns="91425" spcFirstLastPara="1" rIns="91425" wrap="square" tIns="91425">
-              <a:noAutofit/>
-            </a:bodyPr>
-            <a:lstStyle/>
-            <a:p>
-              <a:pPr indent="0" lvl="0" marL="0" rtl="0" algn="ctr">
-                <a:spcBef>
-                  <a:spcPts val="0"/>
-                </a:spcBef>
-                <a:spcAft>
-                  <a:spcPts val="0"/>
-                </a:spcAft>
-                <a:buNone/>
-              </a:pPr>
-              <a:r>
-                <a:rPr b="1" lang="en" sz="800">
-                  <a:solidFill>
-                    <a:schemeClr val="lt1"/>
-                  </a:solidFill>
-                  <a:latin typeface="Lexend"/>
-                  <a:ea typeface="Lexend"/>
-                  <a:cs typeface="Lexend"/>
-                  <a:sym typeface="Lexend"/>
-                </a:rPr>
-                <a:t>WizardLM</a:t>
-              </a:r>
-              <a:endParaRPr b="1" sz="800">
+          </a:ln>
+        </p:spPr>
+        <p:txBody>
+          <a:bodyPr anchorCtr="0" anchor="ctr" bIns="91425" lIns="91425" spcFirstLastPara="1" rIns="91425" wrap="square" tIns="91425">
+            <a:noAutofit/>
+          </a:bodyPr>
+          <a:lstStyle/>
+          <a:p>
+            <a:pPr indent="0" lvl="0" marL="0" rtl="0" algn="l">
+              <a:spcBef>
+                <a:spcPts val="0"/>
+              </a:spcBef>
+              <a:spcAft>
+                <a:spcPts val="0"/>
+              </a:spcAft>
+              <a:buNone/>
+            </a:pPr>
+            <a:r>
+              <a:rPr b="1" lang="en" sz="800">
                 <a:solidFill>
                   <a:schemeClr val="lt1"/>
                 </a:solidFill>
@@ -9619,42 +9359,52 @@
                 <a:ea typeface="Lexend"/>
                 <a:cs typeface="Lexend"/>
                 <a:sym typeface="Lexend"/>
-              </a:endParaRPr>
-            </a:p>
-          </p:txBody>
-        </p:sp>
-        <p:pic>
-          <p:nvPicPr>
-            <p:cNvPr id="155" name="Google Shape;155;p13"/>
-            <p:cNvPicPr preferRelativeResize="0"/>
-            <p:nvPr/>
-          </p:nvPicPr>
-          <p:blipFill>
-            <a:blip r:embed="rId7">
-              <a:alphaModFix/>
-            </a:blip>
-            <a:stretch>
-              <a:fillRect/>
-            </a:stretch>
-          </p:blipFill>
-          <p:spPr>
-            <a:xfrm>
-              <a:off x="-1291212" y="2061263"/>
-              <a:ext cx="212425" cy="212425"/>
-            </a:xfrm>
-            <a:prstGeom prst="rect">
-              <a:avLst/>
-            </a:prstGeom>
-            <a:noFill/>
-            <a:ln>
-              <a:noFill/>
-            </a:ln>
-          </p:spPr>
-        </p:pic>
-      </p:grpSp>
+              </a:rPr>
+              <a:t>WizardLM</a:t>
+            </a:r>
+            <a:endParaRPr b="1" sz="800">
+              <a:solidFill>
+                <a:schemeClr val="lt1"/>
+              </a:solidFill>
+              <a:latin typeface="Lexend"/>
+              <a:ea typeface="Lexend"/>
+              <a:cs typeface="Lexend"/>
+              <a:sym typeface="Lexend"/>
+            </a:endParaRPr>
+          </a:p>
+        </p:txBody>
+      </p:sp>
       <p:pic>
         <p:nvPicPr>
-          <p:cNvPr id="156" name="Google Shape;156;p13"/>
+          <p:cNvPr id="143" name="Google Shape;143;p13"/>
+          <p:cNvPicPr preferRelativeResize="0"/>
+          <p:nvPr/>
+        </p:nvPicPr>
+        <p:blipFill>
+          <a:blip r:embed="rId7">
+            <a:alphaModFix/>
+          </a:blip>
+          <a:stretch>
+            <a:fillRect/>
+          </a:stretch>
+        </p:blipFill>
+        <p:spPr>
+          <a:xfrm>
+            <a:off x="5769249" y="2633101"/>
+            <a:ext cx="323475" cy="341000"/>
+          </a:xfrm>
+          <a:prstGeom prst="rect">
+            <a:avLst/>
+          </a:prstGeom>
+          <a:noFill/>
+          <a:ln>
+            <a:noFill/>
+          </a:ln>
+        </p:spPr>
+      </p:pic>
+      <p:pic>
+        <p:nvPicPr>
+          <p:cNvPr id="144" name="Google Shape;144;p13"/>
           <p:cNvPicPr preferRelativeResize="0"/>
           <p:nvPr/>
         </p:nvPicPr>
@@ -9668,7 +9418,7 @@
         </p:blipFill>
         <p:spPr>
           <a:xfrm>
-            <a:off x="5766875" y="316617"/>
+            <a:off x="5781874" y="362018"/>
             <a:ext cx="810301" cy="455832"/>
           </a:xfrm>
           <a:prstGeom prst="rect">
@@ -9680,6 +9430,267 @@
           </a:ln>
         </p:spPr>
       </p:pic>
+      <p:sp>
+        <p:nvSpPr>
+          <p:cNvPr id="145" name="Google Shape;145;p13"/>
+          <p:cNvSpPr/>
+          <p:nvPr/>
+        </p:nvSpPr>
+        <p:spPr>
+          <a:xfrm>
+            <a:off x="2652206" y="1665750"/>
+            <a:ext cx="1198500" cy="246900"/>
+          </a:xfrm>
+          <a:prstGeom prst="rect">
+            <a:avLst/>
+          </a:prstGeom>
+          <a:noFill/>
+          <a:ln>
+            <a:noFill/>
+          </a:ln>
+        </p:spPr>
+        <p:txBody>
+          <a:bodyPr anchorCtr="0" anchor="ctr" bIns="91425" lIns="91425" spcFirstLastPara="1" rIns="91425" wrap="square" tIns="91425">
+            <a:noAutofit/>
+          </a:bodyPr>
+          <a:lstStyle/>
+          <a:p>
+            <a:pPr indent="0" lvl="0" marL="0" rtl="0" algn="l">
+              <a:spcBef>
+                <a:spcPts val="0"/>
+              </a:spcBef>
+              <a:spcAft>
+                <a:spcPts val="0"/>
+              </a:spcAft>
+              <a:buClr>
+                <a:schemeClr val="dk1"/>
+              </a:buClr>
+              <a:buSzPts val="1100"/>
+              <a:buFont typeface="Arial"/>
+              <a:buNone/>
+            </a:pPr>
+            <a:r>
+              <a:rPr b="1" lang="en" sz="800">
+                <a:solidFill>
+                  <a:schemeClr val="lt1"/>
+                </a:solidFill>
+                <a:latin typeface="Lexend"/>
+                <a:ea typeface="Lexend"/>
+                <a:cs typeface="Lexend"/>
+                <a:sym typeface="Lexend"/>
+              </a:rPr>
+              <a:t>Mistral-OpenOrca</a:t>
+            </a:r>
+            <a:endParaRPr b="1" sz="800">
+              <a:solidFill>
+                <a:schemeClr val="lt1"/>
+              </a:solidFill>
+              <a:latin typeface="Lexend"/>
+              <a:ea typeface="Lexend"/>
+              <a:cs typeface="Lexend"/>
+              <a:sym typeface="Lexend"/>
+            </a:endParaRPr>
+          </a:p>
+        </p:txBody>
+      </p:sp>
+      <p:pic>
+        <p:nvPicPr>
+          <p:cNvPr id="146" name="Google Shape;146;p13"/>
+          <p:cNvPicPr preferRelativeResize="0"/>
+          <p:nvPr/>
+        </p:nvPicPr>
+        <p:blipFill>
+          <a:blip r:embed="rId3">
+            <a:alphaModFix/>
+          </a:blip>
+          <a:stretch>
+            <a:fillRect/>
+          </a:stretch>
+        </p:blipFill>
+        <p:spPr>
+          <a:xfrm>
+            <a:off x="7080334" y="1034398"/>
+            <a:ext cx="323476" cy="181953"/>
+          </a:xfrm>
+          <a:prstGeom prst="rect">
+            <a:avLst/>
+          </a:prstGeom>
+          <a:noFill/>
+          <a:ln>
+            <a:noFill/>
+          </a:ln>
+        </p:spPr>
+      </p:pic>
+      <p:pic>
+        <p:nvPicPr>
+          <p:cNvPr id="147" name="Google Shape;147;p13"/>
+          <p:cNvPicPr preferRelativeResize="0"/>
+          <p:nvPr/>
+        </p:nvPicPr>
+        <p:blipFill rotWithShape="1">
+          <a:blip r:embed="rId25">
+            <a:alphaModFix/>
+          </a:blip>
+          <a:srcRect b="3181" l="2492" r="5205" t="4592"/>
+          <a:stretch/>
+        </p:blipFill>
+        <p:spPr>
+          <a:xfrm>
+            <a:off x="5769249" y="1369971"/>
+            <a:ext cx="323475" cy="323204"/>
+          </a:xfrm>
+          <a:prstGeom prst="rect">
+            <a:avLst/>
+          </a:prstGeom>
+          <a:noFill/>
+          <a:ln>
+            <a:noFill/>
+          </a:ln>
+        </p:spPr>
+      </p:pic>
+      <p:sp>
+        <p:nvSpPr>
+          <p:cNvPr id="148" name="Google Shape;148;p13"/>
+          <p:cNvSpPr txBox="1"/>
+          <p:nvPr/>
+        </p:nvSpPr>
+        <p:spPr>
+          <a:xfrm>
+            <a:off x="6936450" y="616325"/>
+            <a:ext cx="2229900" cy="400200"/>
+          </a:xfrm>
+          <a:prstGeom prst="rect">
+            <a:avLst/>
+          </a:prstGeom>
+          <a:noFill/>
+          <a:ln>
+            <a:noFill/>
+          </a:ln>
+        </p:spPr>
+        <p:txBody>
+          <a:bodyPr anchorCtr="0" anchor="t" bIns="91425" lIns="91425" spcFirstLastPara="1" rIns="91425" wrap="square" tIns="91425">
+            <a:spAutoFit/>
+          </a:bodyPr>
+          <a:lstStyle/>
+          <a:p>
+            <a:pPr indent="0" lvl="0" marL="0" rtl="0" algn="l">
+              <a:spcBef>
+                <a:spcPts val="0"/>
+              </a:spcBef>
+              <a:spcAft>
+                <a:spcPts val="0"/>
+              </a:spcAft>
+              <a:buNone/>
+            </a:pPr>
+            <a:r>
+              <a:t/>
+            </a:r>
+            <a:endParaRPr/>
+          </a:p>
+        </p:txBody>
+      </p:sp>
+      <p:sp>
+        <p:nvSpPr>
+          <p:cNvPr id="149" name="Google Shape;149;p13"/>
+          <p:cNvSpPr/>
+          <p:nvPr/>
+        </p:nvSpPr>
+        <p:spPr>
+          <a:xfrm>
+            <a:off x="5518725" y="3266992"/>
+            <a:ext cx="3446700" cy="1089000"/>
+          </a:xfrm>
+          <a:prstGeom prst="rect">
+            <a:avLst/>
+          </a:prstGeom>
+          <a:noFill/>
+          <a:ln>
+            <a:noFill/>
+          </a:ln>
+        </p:spPr>
+        <p:txBody>
+          <a:bodyPr anchorCtr="0" anchor="ctr" bIns="91425" lIns="91425" spcFirstLastPara="1" rIns="91425" wrap="square" tIns="91425">
+            <a:noAutofit/>
+          </a:bodyPr>
+          <a:lstStyle/>
+          <a:p>
+            <a:pPr indent="0" lvl="0" marL="0" rtl="0" algn="ctr">
+              <a:spcBef>
+                <a:spcPts val="0"/>
+              </a:spcBef>
+              <a:spcAft>
+                <a:spcPts val="0"/>
+              </a:spcAft>
+              <a:buNone/>
+            </a:pPr>
+            <a:r>
+              <a:rPr b="1" lang="en" sz="2600">
+                <a:solidFill>
+                  <a:schemeClr val="lt1"/>
+                </a:solidFill>
+                <a:latin typeface="Lexend"/>
+                <a:ea typeface="Lexend"/>
+                <a:cs typeface="Lexend"/>
+                <a:sym typeface="Lexend"/>
+              </a:rPr>
+              <a:t>Map of </a:t>
+            </a:r>
+            <a:r>
+              <a:rPr b="1" lang="en" sz="2600">
+                <a:solidFill>
+                  <a:schemeClr val="lt1"/>
+                </a:solidFill>
+                <a:latin typeface="Lexend"/>
+                <a:ea typeface="Lexend"/>
+                <a:cs typeface="Lexend"/>
+                <a:sym typeface="Lexend"/>
+              </a:rPr>
+              <a:t>LLMs</a:t>
+            </a:r>
+            <a:endParaRPr b="1" sz="2600">
+              <a:solidFill>
+                <a:schemeClr val="lt1"/>
+              </a:solidFill>
+              <a:latin typeface="Lexend"/>
+              <a:ea typeface="Lexend"/>
+              <a:cs typeface="Lexend"/>
+              <a:sym typeface="Lexend"/>
+            </a:endParaRPr>
+          </a:p>
+          <a:p>
+            <a:pPr indent="0" lvl="0" marL="0" rtl="0" algn="ctr">
+              <a:spcBef>
+                <a:spcPts val="0"/>
+              </a:spcBef>
+              <a:spcAft>
+                <a:spcPts val="0"/>
+              </a:spcAft>
+              <a:buNone/>
+            </a:pPr>
+            <a:r>
+              <a:rPr b="1" lang="en" sz="2000">
+                <a:solidFill>
+                  <a:schemeClr val="lt1"/>
+                </a:solidFill>
+                <a:latin typeface="Lexend"/>
+                <a:ea typeface="Lexend"/>
+                <a:cs typeface="Lexend"/>
+                <a:sym typeface="Lexend"/>
+              </a:rPr>
+              <a:t>October 2023</a:t>
+            </a:r>
+            <a:endParaRPr b="1" sz="2000">
+              <a:solidFill>
+                <a:schemeClr val="lt1"/>
+              </a:solidFill>
+              <a:latin typeface="Lexend"/>
+              <a:ea typeface="Lexend"/>
+              <a:cs typeface="Lexend"/>
+              <a:sym typeface="Lexend"/>
+            </a:endParaRPr>
+          </a:p>
+        </p:txBody>
+      </p:sp>
     </p:spTree>
   </p:cSld>
   <p:clrMapOvr>
@@ -9689,6 +9700,285 @@
 </file>
 
 <file path=ppt/theme/theme1.xml><?xml version="1.0" encoding="utf-8"?>
+<a:theme xmlns:a="http://schemas.openxmlformats.org/drawingml/2006/main" xmlns:r="http://schemas.openxmlformats.org/officeDocument/2006/relationships">
+  <a:themeElements>
+    <a:clrScheme name="Default">
+      <a:dk1>
+        <a:srgbClr val="000000"/>
+      </a:dk1>
+      <a:lt1>
+        <a:srgbClr val="FFFFFF"/>
+      </a:lt1>
+      <a:dk2>
+        <a:srgbClr val="158158"/>
+      </a:dk2>
+      <a:lt2>
+        <a:srgbClr val="F3F3F3"/>
+      </a:lt2>
+      <a:accent1>
+        <a:srgbClr val="058DC7"/>
+      </a:accent1>
+      <a:accent2>
+        <a:srgbClr val="50B432"/>
+      </a:accent2>
+      <a:accent3>
+        <a:srgbClr val="ED561B"/>
+      </a:accent3>
+      <a:accent4>
+        <a:srgbClr val="EDEF00"/>
+      </a:accent4>
+      <a:accent5>
+        <a:srgbClr val="24CBE5"/>
+      </a:accent5>
+      <a:accent6>
+        <a:srgbClr val="64E572"/>
+      </a:accent6>
+      <a:hlink>
+        <a:srgbClr val="2200CC"/>
+      </a:hlink>
+      <a:folHlink>
+        <a:srgbClr val="551A8B"/>
+      </a:folHlink>
+    </a:clrScheme>
+    <a:fontScheme name="Office">
+      <a:majorFont>
+        <a:latin typeface="Arial"/>
+        <a:ea typeface=""/>
+        <a:cs typeface=""/>
+        <a:font script="Jpan" typeface="ＭＳ Ｐゴシック"/>
+        <a:font script="Hang" typeface="맑은 고딕"/>
+        <a:font script="Hans" typeface="宋体"/>
+        <a:font script="Hant" typeface="新細明體"/>
+        <a:font script="Arab" typeface="Times New Roman"/>
+        <a:font script="Hebr" typeface="Times New Roman"/>
+        <a:font script="Thai" typeface="Angsana New"/>
+        <a:font script="Ethi" typeface="Nyala"/>
+        <a:font script="Beng" typeface="Vrinda"/>
+        <a:font script="Gujr" typeface="Shruti"/>
+        <a:font script="Khmr" typeface="MoolBoran"/>
+        <a:font script="Knda" typeface="Tunga"/>
+        <a:font script="Guru" typeface="Raavi"/>
+        <a:font script="Cans" typeface="Euphemia"/>
+        <a:font script="Cher" typeface="Plantagenet Cherokee"/>
+        <a:font script="Yiii" typeface="Microsoft Yi Baiti"/>
+        <a:font script="Tibt" typeface="Microsoft Himalaya"/>
+        <a:font script="Thaa" typeface="MV Boli"/>
+        <a:font script="Deva" typeface="Mangal"/>
+        <a:font script="Telu" typeface="Gautami"/>
+        <a:font script="Taml" typeface="Latha"/>
+        <a:font script="Syrc" typeface="Estrangelo Edessa"/>
+        <a:font script="Orya" typeface="Kalinga"/>
+        <a:font script="Mlym" typeface="Kartika"/>
+        <a:font script="Laoo" typeface="DokChampa"/>
+        <a:font script="Sinh" typeface="Iskoola Pota"/>
+        <a:font script="Mong" typeface="Mongolian Baiti"/>
+        <a:font script="Viet" typeface="Times New Roman"/>
+        <a:font script="Uigh" typeface="Microsoft Uighur"/>
+        <a:font script="Geor" typeface="Sylfaen"/>
+      </a:majorFont>
+      <a:minorFont>
+        <a:latin typeface="Arial"/>
+        <a:ea typeface=""/>
+        <a:cs typeface=""/>
+        <a:font script="Jpan" typeface="ＭＳ Ｐゴシック"/>
+        <a:font script="Hang" typeface="맑은 고딕"/>
+        <a:font script="Hans" typeface="宋体"/>
+        <a:font script="Hant" typeface="新細明體"/>
+        <a:font script="Arab" typeface="Arial"/>
+        <a:font script="Hebr" typeface="Arial"/>
+        <a:font script="Thai" typeface="Cordia New"/>
+        <a:font script="Ethi" typeface="Nyala"/>
+        <a:font script="Beng" typeface="Vrinda"/>
+        <a:font script="Gujr" typeface="Shruti"/>
+        <a:font script="Khmr" typeface="DaunPenh"/>
+        <a:font script="Knda" typeface="Tunga"/>
+        <a:font script="Guru" typeface="Raavi"/>
+        <a:font script="Cans" typeface="Euphemia"/>
+        <a:font script="Cher" typeface="Plantagenet Cherokee"/>
+        <a:font script="Yiii" typeface="Microsoft Yi Baiti"/>
+        <a:font script="Tibt" typeface="Microsoft Himalaya"/>
+        <a:font script="Thaa" typeface="MV Boli"/>
+        <a:font script="Deva" typeface="Mangal"/>
+        <a:font script="Telu" typeface="Gautami"/>
+        <a:font script="Taml" typeface="Latha"/>
+        <a:font script="Syrc" typeface="Estrangelo Edessa"/>
+        <a:font script="Orya" typeface="Kalinga"/>
+        <a:font script="Mlym" typeface="Kartika"/>
+        <a:font script="Laoo" typeface="DokChampa"/>
+        <a:font script="Sinh" typeface="Iskoola Pota"/>
+        <a:font script="Mong" typeface="Mongolian Baiti"/>
+        <a:font script="Viet" typeface="Arial"/>
+        <a:font script="Uigh" typeface="Microsoft Uighur"/>
+        <a:font script="Geor" typeface="Sylfaen"/>
+      </a:minorFont>
+    </a:fontScheme>
+    <a:fmtScheme name="Office">
+      <a:fillStyleLst>
+        <a:solidFill>
+          <a:schemeClr val="phClr"/>
+        </a:solidFill>
+        <a:gradFill rotWithShape="1">
+          <a:gsLst>
+            <a:gs pos="0">
+              <a:schemeClr val="phClr">
+                <a:tint val="50000"/>
+                <a:satMod val="300000"/>
+              </a:schemeClr>
+            </a:gs>
+            <a:gs pos="35000">
+              <a:schemeClr val="phClr">
+                <a:tint val="37000"/>
+                <a:satMod val="300000"/>
+              </a:schemeClr>
+            </a:gs>
+            <a:gs pos="100000">
+              <a:schemeClr val="phClr">
+                <a:tint val="15000"/>
+                <a:satMod val="350000"/>
+              </a:schemeClr>
+            </a:gs>
+          </a:gsLst>
+          <a:lin ang="16200000" scaled="1"/>
+        </a:gradFill>
+        <a:gradFill rotWithShape="1">
+          <a:gsLst>
+            <a:gs pos="0">
+              <a:schemeClr val="phClr">
+                <a:tint val="100000"/>
+                <a:shade val="100000"/>
+                <a:satMod val="130000"/>
+              </a:schemeClr>
+            </a:gs>
+            <a:gs pos="100000">
+              <a:schemeClr val="phClr">
+                <a:tint val="50000"/>
+                <a:shade val="100000"/>
+                <a:satMod val="350000"/>
+              </a:schemeClr>
+            </a:gs>
+          </a:gsLst>
+          <a:lin ang="16200000" scaled="0"/>
+        </a:gradFill>
+      </a:fillStyleLst>
+      <a:lnStyleLst>
+        <a:ln w="9525" cap="flat" cmpd="sng" algn="ctr">
+          <a:solidFill>
+            <a:schemeClr val="phClr">
+              <a:shade val="95000"/>
+              <a:satMod val="105000"/>
+            </a:schemeClr>
+          </a:solidFill>
+          <a:prstDash val="solid"/>
+        </a:ln>
+        <a:ln w="25400" cap="flat" cmpd="sng" algn="ctr">
+          <a:solidFill>
+            <a:schemeClr val="phClr"/>
+          </a:solidFill>
+          <a:prstDash val="solid"/>
+        </a:ln>
+        <a:ln w="38100" cap="flat" cmpd="sng" algn="ctr">
+          <a:solidFill>
+            <a:schemeClr val="phClr"/>
+          </a:solidFill>
+          <a:prstDash val="solid"/>
+        </a:ln>
+      </a:lnStyleLst>
+      <a:effectStyleLst>
+        <a:effectStyle>
+          <a:effectLst>
+            <a:outerShdw blurRad="40000" dist="20000" dir="5400000" rotWithShape="0">
+              <a:srgbClr val="000000">
+                <a:alpha val="38000"/>
+              </a:srgbClr>
+            </a:outerShdw>
+          </a:effectLst>
+        </a:effectStyle>
+        <a:effectStyle>
+          <a:effectLst>
+            <a:outerShdw blurRad="40000" dist="23000" dir="5400000" rotWithShape="0">
+              <a:srgbClr val="000000">
+                <a:alpha val="35000"/>
+              </a:srgbClr>
+            </a:outerShdw>
+          </a:effectLst>
+        </a:effectStyle>
+        <a:effectStyle>
+          <a:effectLst>
+            <a:outerShdw blurRad="40000" dist="23000" dir="5400000" rotWithShape="0">
+              <a:srgbClr val="000000">
+                <a:alpha val="35000"/>
+              </a:srgbClr>
+            </a:outerShdw>
+          </a:effectLst>
+          <a:scene3d>
+            <a:camera prst="orthographicFront">
+              <a:rot lat="0" lon="0" rev="0"/>
+            </a:camera>
+            <a:lightRig rig="threePt" dir="t">
+              <a:rot lat="0" lon="0" rev="1200000"/>
+            </a:lightRig>
+          </a:scene3d>
+          <a:sp3d>
+            <a:bevelT w="63500" h="25400"/>
+          </a:sp3d>
+        </a:effectStyle>
+      </a:effectStyleLst>
+      <a:bgFillStyleLst>
+        <a:solidFill>
+          <a:schemeClr val="phClr"/>
+        </a:solidFill>
+        <a:gradFill rotWithShape="1">
+          <a:gsLst>
+            <a:gs pos="0">
+              <a:schemeClr val="phClr">
+                <a:tint val="40000"/>
+                <a:satMod val="350000"/>
+              </a:schemeClr>
+            </a:gs>
+            <a:gs pos="40000">
+              <a:schemeClr val="phClr">
+                <a:tint val="45000"/>
+                <a:shade val="99000"/>
+                <a:satMod val="350000"/>
+              </a:schemeClr>
+            </a:gs>
+            <a:gs pos="100000">
+              <a:schemeClr val="phClr">
+                <a:shade val="20000"/>
+                <a:satMod val="255000"/>
+              </a:schemeClr>
+            </a:gs>
+          </a:gsLst>
+          <a:path path="circle">
+            <a:fillToRect l="50000" t="-80000" r="50000" b="180000"/>
+          </a:path>
+        </a:gradFill>
+        <a:gradFill rotWithShape="1">
+          <a:gsLst>
+            <a:gs pos="0">
+              <a:schemeClr val="phClr">
+                <a:tint val="80000"/>
+                <a:satMod val="300000"/>
+              </a:schemeClr>
+            </a:gs>
+            <a:gs pos="100000">
+              <a:schemeClr val="phClr">
+                <a:shade val="30000"/>
+                <a:satMod val="200000"/>
+              </a:schemeClr>
+            </a:gs>
+          </a:gsLst>
+          <a:path path="circle">
+            <a:fillToRect l="50000" t="50000" r="50000" b="50000"/>
+          </a:path>
+        </a:gradFill>
+      </a:bgFillStyleLst>
+    </a:fmtScheme>
+  </a:themeElements>
+</a:theme>
+</file>
+
+<file path=ppt/theme/theme2.xml><?xml version="1.0" encoding="utf-8"?>
 <a:theme xmlns:a="http://schemas.openxmlformats.org/drawingml/2006/main" xmlns:r="http://schemas.openxmlformats.org/officeDocument/2006/relationships" name="Simple Light">
   <a:themeElements>
     <a:clrScheme name="Simple Light">
@@ -9965,283 +10255,4 @@
     </a:fmtScheme>
   </a:themeElements>
 </a:theme>
-</file>
-
-<file path=ppt/theme/theme2.xml><?xml version="1.0" encoding="utf-8"?>
-<a:theme xmlns:a="http://schemas.openxmlformats.org/drawingml/2006/main" xmlns:r="http://schemas.openxmlformats.org/officeDocument/2006/relationships">
-  <a:themeElements>
-    <a:clrScheme name="Default">
-      <a:dk1>
-        <a:srgbClr val="000000"/>
-      </a:dk1>
-      <a:lt1>
-        <a:srgbClr val="FFFFFF"/>
-      </a:lt1>
-      <a:dk2>
-        <a:srgbClr val="158158"/>
-      </a:dk2>
-      <a:lt2>
-        <a:srgbClr val="F3F3F3"/>
-      </a:lt2>
-      <a:accent1>
-        <a:srgbClr val="058DC7"/>
-      </a:accent1>
-      <a:accent2>
-        <a:srgbClr val="50B432"/>
-      </a:accent2>
-      <a:accent3>
-        <a:srgbClr val="ED561B"/>
-      </a:accent3>
-      <a:accent4>
-        <a:srgbClr val="EDEF00"/>
-      </a:accent4>
-      <a:accent5>
-        <a:srgbClr val="24CBE5"/>
-      </a:accent5>
-      <a:accent6>
-        <a:srgbClr val="64E572"/>
-      </a:accent6>
-      <a:hlink>
-        <a:srgbClr val="2200CC"/>
-      </a:hlink>
-      <a:folHlink>
-        <a:srgbClr val="551A8B"/>
-      </a:folHlink>
-    </a:clrScheme>
-    <a:fontScheme name="Office">
-      <a:majorFont>
-        <a:latin typeface="Arial"/>
-        <a:ea typeface=""/>
-        <a:cs typeface=""/>
-        <a:font script="Jpan" typeface="ＭＳ Ｐゴシック"/>
-        <a:font script="Hang" typeface="맑은 고딕"/>
-        <a:font script="Hans" typeface="宋体"/>
-        <a:font script="Hant" typeface="新細明體"/>
-        <a:font script="Arab" typeface="Times New Roman"/>
-        <a:font script="Hebr" typeface="Times New Roman"/>
-        <a:font script="Thai" typeface="Angsana New"/>
-        <a:font script="Ethi" typeface="Nyala"/>
-        <a:font script="Beng" typeface="Vrinda"/>
-        <a:font script="Gujr" typeface="Shruti"/>
-        <a:font script="Khmr" typeface="MoolBoran"/>
-        <a:font script="Knda" typeface="Tunga"/>
-        <a:font script="Guru" typeface="Raavi"/>
-        <a:font script="Cans" typeface="Euphemia"/>
-        <a:font script="Cher" typeface="Plantagenet Cherokee"/>
-        <a:font script="Yiii" typeface="Microsoft Yi Baiti"/>
-        <a:font script="Tibt" typeface="Microsoft Himalaya"/>
-        <a:font script="Thaa" typeface="MV Boli"/>
-        <a:font script="Deva" typeface="Mangal"/>
-        <a:font script="Telu" typeface="Gautami"/>
-        <a:font script="Taml" typeface="Latha"/>
-        <a:font script="Syrc" typeface="Estrangelo Edessa"/>
-        <a:font script="Orya" typeface="Kalinga"/>
-        <a:font script="Mlym" typeface="Kartika"/>
-        <a:font script="Laoo" typeface="DokChampa"/>
-        <a:font script="Sinh" typeface="Iskoola Pota"/>
-        <a:font script="Mong" typeface="Mongolian Baiti"/>
-        <a:font script="Viet" typeface="Times New Roman"/>
-        <a:font script="Uigh" typeface="Microsoft Uighur"/>
-        <a:font script="Geor" typeface="Sylfaen"/>
-      </a:majorFont>
-      <a:minorFont>
-        <a:latin typeface="Arial"/>
-        <a:ea typeface=""/>
-        <a:cs typeface=""/>
-        <a:font script="Jpan" typeface="ＭＳ Ｐゴシック"/>
-        <a:font script="Hang" typeface="맑은 고딕"/>
-        <a:font script="Hans" typeface="宋体"/>
-        <a:font script="Hant" typeface="新細明體"/>
-        <a:font script="Arab" typeface="Arial"/>
-        <a:font script="Hebr" typeface="Arial"/>
-        <a:font script="Thai" typeface="Cordia New"/>
-        <a:font script="Ethi" typeface="Nyala"/>
-        <a:font script="Beng" typeface="Vrinda"/>
-        <a:font script="Gujr" typeface="Shruti"/>
-        <a:font script="Khmr" typeface="DaunPenh"/>
-        <a:font script="Knda" typeface="Tunga"/>
-        <a:font script="Guru" typeface="Raavi"/>
-        <a:font script="Cans" typeface="Euphemia"/>
-        <a:font script="Cher" typeface="Plantagenet Cherokee"/>
-        <a:font script="Yiii" typeface="Microsoft Yi Baiti"/>
-        <a:font script="Tibt" typeface="Microsoft Himalaya"/>
-        <a:font script="Thaa" typeface="MV Boli"/>
-        <a:font script="Deva" typeface="Mangal"/>
-        <a:font script="Telu" typeface="Gautami"/>
-        <a:font script="Taml" typeface="Latha"/>
-        <a:font script="Syrc" typeface="Estrangelo Edessa"/>
-        <a:font script="Orya" typeface="Kalinga"/>
-        <a:font script="Mlym" typeface="Kartika"/>
-        <a:font script="Laoo" typeface="DokChampa"/>
-        <a:font script="Sinh" typeface="Iskoola Pota"/>
-        <a:font script="Mong" typeface="Mongolian Baiti"/>
-        <a:font script="Viet" typeface="Arial"/>
-        <a:font script="Uigh" typeface="Microsoft Uighur"/>
-        <a:font script="Geor" typeface="Sylfaen"/>
-      </a:minorFont>
-    </a:fontScheme>
-    <a:fmtScheme name="Office">
-      <a:fillStyleLst>
-        <a:solidFill>
-          <a:schemeClr val="phClr"/>
-        </a:solidFill>
-        <a:gradFill rotWithShape="1">
-          <a:gsLst>
-            <a:gs pos="0">
-              <a:schemeClr val="phClr">
-                <a:tint val="50000"/>
-                <a:satMod val="300000"/>
-              </a:schemeClr>
-            </a:gs>
-            <a:gs pos="35000">
-              <a:schemeClr val="phClr">
-                <a:tint val="37000"/>
-                <a:satMod val="300000"/>
-              </a:schemeClr>
-            </a:gs>
-            <a:gs pos="100000">
-              <a:schemeClr val="phClr">
-                <a:tint val="15000"/>
-                <a:satMod val="350000"/>
-              </a:schemeClr>
-            </a:gs>
-          </a:gsLst>
-          <a:lin ang="16200000" scaled="1"/>
-        </a:gradFill>
-        <a:gradFill rotWithShape="1">
-          <a:gsLst>
-            <a:gs pos="0">
-              <a:schemeClr val="phClr">
-                <a:tint val="100000"/>
-                <a:shade val="100000"/>
-                <a:satMod val="130000"/>
-              </a:schemeClr>
-            </a:gs>
-            <a:gs pos="100000">
-              <a:schemeClr val="phClr">
-                <a:tint val="50000"/>
-                <a:shade val="100000"/>
-                <a:satMod val="350000"/>
-              </a:schemeClr>
-            </a:gs>
-          </a:gsLst>
-          <a:lin ang="16200000" scaled="0"/>
-        </a:gradFill>
-      </a:fillStyleLst>
-      <a:lnStyleLst>
-        <a:ln w="9525" cap="flat" cmpd="sng" algn="ctr">
-          <a:solidFill>
-            <a:schemeClr val="phClr">
-              <a:shade val="95000"/>
-              <a:satMod val="105000"/>
-            </a:schemeClr>
-          </a:solidFill>
-          <a:prstDash val="solid"/>
-        </a:ln>
-        <a:ln w="25400" cap="flat" cmpd="sng" algn="ctr">
-          <a:solidFill>
-            <a:schemeClr val="phClr"/>
-          </a:solidFill>
-          <a:prstDash val="solid"/>
-        </a:ln>
-        <a:ln w="38100" cap="flat" cmpd="sng" algn="ctr">
-          <a:solidFill>
-            <a:schemeClr val="phClr"/>
-          </a:solidFill>
-          <a:prstDash val="solid"/>
-        </a:ln>
-      </a:lnStyleLst>
-      <a:effectStyleLst>
-        <a:effectStyle>
-          <a:effectLst>
-            <a:outerShdw blurRad="40000" dist="20000" dir="5400000" rotWithShape="0">
-              <a:srgbClr val="000000">
-                <a:alpha val="38000"/>
-              </a:srgbClr>
-            </a:outerShdw>
-          </a:effectLst>
-        </a:effectStyle>
-        <a:effectStyle>
-          <a:effectLst>
-            <a:outerShdw blurRad="40000" dist="23000" dir="5400000" rotWithShape="0">
-              <a:srgbClr val="000000">
-                <a:alpha val="35000"/>
-              </a:srgbClr>
-            </a:outerShdw>
-          </a:effectLst>
-        </a:effectStyle>
-        <a:effectStyle>
-          <a:effectLst>
-            <a:outerShdw blurRad="40000" dist="23000" dir="5400000" rotWithShape="0">
-              <a:srgbClr val="000000">
-                <a:alpha val="35000"/>
-              </a:srgbClr>
-            </a:outerShdw>
-          </a:effectLst>
-          <a:scene3d>
-            <a:camera prst="orthographicFront">
-              <a:rot lat="0" lon="0" rev="0"/>
-            </a:camera>
-            <a:lightRig rig="threePt" dir="t">
-              <a:rot lat="0" lon="0" rev="1200000"/>
-            </a:lightRig>
-          </a:scene3d>
-          <a:sp3d>
-            <a:bevelT w="63500" h="25400"/>
-          </a:sp3d>
-        </a:effectStyle>
-      </a:effectStyleLst>
-      <a:bgFillStyleLst>
-        <a:solidFill>
-          <a:schemeClr val="phClr"/>
-        </a:solidFill>
-        <a:gradFill rotWithShape="1">
-          <a:gsLst>
-            <a:gs pos="0">
-              <a:schemeClr val="phClr">
-                <a:tint val="40000"/>
-                <a:satMod val="350000"/>
-              </a:schemeClr>
-            </a:gs>
-            <a:gs pos="40000">
-              <a:schemeClr val="phClr">
-                <a:tint val="45000"/>
-                <a:shade val="99000"/>
-                <a:satMod val="350000"/>
-              </a:schemeClr>
-            </a:gs>
-            <a:gs pos="100000">
-              <a:schemeClr val="phClr">
-                <a:shade val="20000"/>
-                <a:satMod val="255000"/>
-              </a:schemeClr>
-            </a:gs>
-          </a:gsLst>
-          <a:path path="circle">
-            <a:fillToRect l="50000" t="-80000" r="50000" b="180000"/>
-          </a:path>
-        </a:gradFill>
-        <a:gradFill rotWithShape="1">
-          <a:gsLst>
-            <a:gs pos="0">
-              <a:schemeClr val="phClr">
-                <a:tint val="80000"/>
-                <a:satMod val="300000"/>
-              </a:schemeClr>
-            </a:gs>
-            <a:gs pos="100000">
-              <a:schemeClr val="phClr">
-                <a:shade val="30000"/>
-                <a:satMod val="200000"/>
-              </a:schemeClr>
-            </a:gs>
-          </a:gsLst>
-          <a:path path="circle">
-            <a:fillToRect l="50000" t="50000" r="50000" b="50000"/>
-          </a:path>
-        </a:gradFill>
-      </a:bgFillStyleLst>
-    </a:fmtScheme>
-  </a:themeElements>
-</a:theme>
 </file>